--- a/Barbara_Project1_Team3.pptx
+++ b/Barbara_Project1_Team3.pptx
@@ -5,15 +5,17 @@
     <p:sldMasterId id="2147483660" r:id="rId1"/>
   </p:sldMasterIdLst>
   <p:notesMasterIdLst>
-    <p:notesMasterId r:id="rId8"/>
+    <p:notesMasterId r:id="rId10"/>
   </p:notesMasterIdLst>
   <p:sldIdLst>
     <p:sldId id="261" r:id="rId2"/>
     <p:sldId id="256" r:id="rId3"/>
     <p:sldId id="257" r:id="rId4"/>
-    <p:sldId id="258" r:id="rId5"/>
-    <p:sldId id="259" r:id="rId6"/>
-    <p:sldId id="260" r:id="rId7"/>
+    <p:sldId id="262" r:id="rId5"/>
+    <p:sldId id="263" r:id="rId6"/>
+    <p:sldId id="258" r:id="rId7"/>
+    <p:sldId id="259" r:id="rId8"/>
+    <p:sldId id="260" r:id="rId9"/>
   </p:sldIdLst>
   <p:sldSz cx="9144000" cy="6858000" type="screen4x3"/>
   <p:notesSz cx="6858000" cy="9144000"/>
@@ -1441,28 +1443,15 @@
           <a:p>
             <a:r>
               <a:rPr lang="en-US" dirty="0"/>
-              <a:t>PLOT</a:t>
-            </a:r>
-          </a:p>
-          <a:p>
-            <a:endParaRPr lang="en-US" dirty="0"/>
-          </a:p>
-          <a:p>
+              <a:t>ax = </a:t>
+            </a:r>
             <a:r>
               <a:rPr lang="en-US" dirty="0" err="1"/>
-              <a:t>total_deaths_by_age_group_y_and_day</a:t>
-            </a:r>
-            <a:r>
-              <a:rPr lang="en-US" dirty="0"/>
-              <a:t>['Age range'] = </a:t>
-            </a:r>
-            <a:r>
-              <a:rPr lang="en-US" dirty="0" err="1"/>
-              <a:t>total_deaths_by_age_group_y_and_day</a:t>
-            </a:r>
-            <a:r>
-              <a:rPr lang="en-US" dirty="0"/>
-              <a:t>['</a:t>
+              <a:t>sns.boxplot</a:t>
+            </a:r>
+            <a:r>
+              <a:rPr lang="en-US" dirty="0"/>
+              <a:t>(x = '</a:t>
             </a:r>
             <a:r>
               <a:rPr lang="en-US" dirty="0" err="1"/>
@@ -1470,76 +1459,55 @@
             </a:r>
             <a:r>
               <a:rPr lang="en-US" dirty="0"/>
-              <a:t>'].replace({1:'0-4', 2:'5-9', 3:'10-14', 4:'15-19', 5:'20-24', 6:'25-29', 7:'30-34', 8:'35-39', 9:'40-44',10:'45-49',11:'50-54', 12:'55-59' , 13:'60-64', 14:'65-69', 15:'70-74', 16:'75-79', 17:'80-84', 18:'85 and over'})</a:t>
-            </a:r>
-          </a:p>
-          <a:p>
-            <a:endParaRPr lang="en-US" dirty="0"/>
-          </a:p>
-          <a:p>
-            <a:r>
-              <a:rPr lang="en-US" dirty="0"/>
-              <a:t>ax = </a:t>
+              <a:t>', y = '</a:t>
             </a:r>
             <a:r>
               <a:rPr lang="en-US" dirty="0" err="1"/>
-              <a:t>sns.catplot</a:t>
-            </a:r>
-            <a:r>
-              <a:rPr lang="en-US" dirty="0"/>
-              <a:t>(x="</a:t>
+              <a:t>Both_sexes</a:t>
+            </a:r>
+            <a:r>
+              <a:rPr lang="en-US" dirty="0"/>
+              <a:t>', data = </a:t>
             </a:r>
             <a:r>
               <a:rPr lang="en-US" dirty="0" err="1"/>
-              <a:t>day_of_week_of_death</a:t>
-            </a:r>
-            <a:r>
-              <a:rPr lang="en-US" dirty="0"/>
-              <a:t>", y="counts",</a:t>
-            </a:r>
-          </a:p>
-          <a:p>
-            <a:r>
-              <a:rPr lang="en-US" dirty="0"/>
-              <a:t>                col="Age range", </a:t>
-            </a:r>
+              <a:t>census_summary_df</a:t>
+            </a:r>
+            <a:r>
+              <a:rPr lang="en-US" dirty="0"/>
+              <a:t>)</a:t>
+            </a:r>
+          </a:p>
+          <a:p>
             <a:r>
               <a:rPr lang="en-US" dirty="0" err="1"/>
-              <a:t>col_wrap</a:t>
-            </a:r>
-            <a:r>
-              <a:rPr lang="en-US" dirty="0"/>
-              <a:t>=6,</a:t>
-            </a:r>
-          </a:p>
-          <a:p>
-            <a:r>
-              <a:rPr lang="en-US" dirty="0"/>
-              <a:t>                data=</a:t>
-            </a:r>
+              <a:t>ax.set_title</a:t>
+            </a:r>
+            <a:r>
+              <a:rPr lang="en-US" dirty="0"/>
+              <a:t>("US Population by Age Group (2010-2019): Both sexes", y=1.05)</a:t>
+            </a:r>
+          </a:p>
+          <a:p>
             <a:r>
               <a:rPr lang="en-US" dirty="0" err="1"/>
-              <a:t>total_deaths_by_age_group_y_and_day</a:t>
-            </a:r>
-            <a:r>
-              <a:rPr lang="en-US" dirty="0"/>
-              <a:t>, kind="box",</a:t>
-            </a:r>
-          </a:p>
-          <a:p>
-            <a:r>
-              <a:rPr lang="en-US" dirty="0"/>
-              <a:t>                height=4, aspect=.7);</a:t>
-            </a:r>
-          </a:p>
-          <a:p>
-            <a:r>
-              <a:rPr lang="en-US" dirty="0" err="1"/>
-              <a:t>ax.set_axis_labels</a:t>
-            </a:r>
-            <a:r>
-              <a:rPr lang="en-US" dirty="0"/>
-              <a:t>("", "Counts")</a:t>
+              <a:t>plt.xticks</a:t>
+            </a:r>
+            <a:r>
+              <a:rPr lang="en-US" dirty="0"/>
+              <a:t>([0, 1, 2, 3, 4, 5, 6, 7, 8, 9, 10, 11, 12, 13, 14, 15, 16, 17], </a:t>
+            </a:r>
+          </a:p>
+          <a:p>
+            <a:r>
+              <a:rPr lang="en-US" dirty="0"/>
+              <a:t>           ['0-4', '5-9', '10-14','15-19','20-24','25-29','30-34','35-39','40-44',</a:t>
+            </a:r>
+          </a:p>
+          <a:p>
+            <a:r>
+              <a:rPr lang="en-US" dirty="0"/>
+              <a:t>            '45-49','50-54','55-59','60-64','65-69','70-74','75-79','80-84','85 and over'])</a:t>
             </a:r>
           </a:p>
           <a:p>
@@ -1549,7 +1517,15 @@
             </a:r>
             <a:r>
               <a:rPr lang="en-US" dirty="0"/>
-              <a:t>(rotation=45, </a:t>
+              <a:t>(</a:t>
+            </a:r>
+            <a:r>
+              <a:rPr lang="en-US" dirty="0" err="1"/>
+              <a:t>ax.get_xticklabels</a:t>
+            </a:r>
+            <a:r>
+              <a:rPr lang="en-US" dirty="0"/>
+              <a:t>(), rotation=45, </a:t>
             </a:r>
             <a:r>
               <a:rPr lang="en-US" dirty="0" err="1"/>
@@ -1557,7 +1533,51 @@
             </a:r>
             <a:r>
               <a:rPr lang="en-US" dirty="0"/>
-              <a:t>='right')</a:t>
+              <a:t>='center')</a:t>
+            </a:r>
+          </a:p>
+          <a:p>
+            <a:r>
+              <a:rPr lang="en-US" dirty="0" err="1"/>
+              <a:t>ax.set</a:t>
+            </a:r>
+            <a:r>
+              <a:rPr lang="en-US" dirty="0"/>
+              <a:t>(</a:t>
+            </a:r>
+            <a:r>
+              <a:rPr lang="en-US" dirty="0" err="1"/>
+              <a:t>xlabel</a:t>
+            </a:r>
+            <a:r>
+              <a:rPr lang="en-US" dirty="0"/>
+              <a:t>='Age Group', </a:t>
+            </a:r>
+            <a:r>
+              <a:rPr lang="en-US" dirty="0" err="1"/>
+              <a:t>ylabel</a:t>
+            </a:r>
+            <a:r>
+              <a:rPr lang="en-US" dirty="0"/>
+              <a:t>='Population')</a:t>
+            </a:r>
+          </a:p>
+          <a:p>
+            <a:r>
+              <a:rPr lang="en-US" dirty="0" err="1"/>
+              <a:t>ax.set</a:t>
+            </a:r>
+            <a:r>
+              <a:rPr lang="en-US" dirty="0"/>
+              <a:t>(</a:t>
+            </a:r>
+            <a:r>
+              <a:rPr lang="en-US" dirty="0" err="1"/>
+              <a:t>ylim</a:t>
+            </a:r>
+            <a:r>
+              <a:rPr lang="en-US" dirty="0"/>
+              <a:t>=(0, 2.4e7))</a:t>
             </a:r>
           </a:p>
           <a:p>
@@ -1567,17 +1587,25 @@
             </a:r>
             <a:r>
               <a:rPr lang="en-US" dirty="0"/>
-              <a:t>(top=0.92)</a:t>
+              <a:t>(bottom=0.28)</a:t>
             </a:r>
           </a:p>
           <a:p>
             <a:r>
               <a:rPr lang="en-US" dirty="0" err="1"/>
-              <a:t>ax.fig.suptitle</a:t>
-            </a:r>
-            <a:r>
-              <a:rPr lang="en-US" dirty="0"/>
-              <a:t>('Total Motor Vehicle Deaths by Age Group and Day of Week of Death (2005-2015)') </a:t>
+              <a:t>sns.set</a:t>
+            </a:r>
+            <a:r>
+              <a:rPr lang="en-US" dirty="0"/>
+              <a:t>(</a:t>
+            </a:r>
+            <a:r>
+              <a:rPr lang="en-US" dirty="0" err="1"/>
+              <a:t>font_scale</a:t>
+            </a:r>
+            <a:r>
+              <a:rPr lang="en-US" dirty="0"/>
+              <a:t>=1) </a:t>
             </a:r>
           </a:p>
           <a:p>
@@ -1591,36 +1619,11 @@
             </a:r>
             <a:r>
               <a:rPr lang="en-US" dirty="0" err="1"/>
-              <a:t>Deaths_by_age_group_and_day_of_week.pdf</a:t>
+              <a:t>US_pop_by_age_group.pdf</a:t>
             </a:r>
             <a:r>
               <a:rPr lang="en-US" dirty="0"/>
               <a:t>')</a:t>
-            </a:r>
-          </a:p>
-          <a:p>
-            <a:endParaRPr lang="en-US" dirty="0"/>
-          </a:p>
-          <a:p>
-            <a:r>
-              <a:rPr lang="en-US" dirty="0"/>
-              <a:t>#https://</a:t>
-            </a:r>
-            <a:r>
-              <a:rPr lang="en-US" dirty="0" err="1"/>
-              <a:t>stackoverflow.com</a:t>
-            </a:r>
-            <a:r>
-              <a:rPr lang="en-US" dirty="0"/>
-              <a:t>/questions/43920341/python-seaborn-</a:t>
-            </a:r>
-            <a:r>
-              <a:rPr lang="en-US" dirty="0" err="1"/>
-              <a:t>facetgrid</a:t>
-            </a:r>
-            <a:r>
-              <a:rPr lang="en-US" dirty="0"/>
-              <a:t>-change-titles</a:t>
             </a:r>
           </a:p>
         </p:txBody>
@@ -1651,7 +1654,7 @@
     </p:spTree>
     <p:extLst>
       <p:ext uri="{BB962C8B-B14F-4D97-AF65-F5344CB8AC3E}">
-        <p14:creationId xmlns:p14="http://schemas.microsoft.com/office/powerpoint/2010/main" val="2766257783"/>
+        <p14:creationId xmlns:p14="http://schemas.microsoft.com/office/powerpoint/2010/main" val="2689961436"/>
       </p:ext>
     </p:extLst>
   </p:cSld>
@@ -1707,6 +1710,272 @@
           <a:p>
             <a:r>
               <a:rPr lang="en-US" dirty="0"/>
+              <a:t>PLOT</a:t>
+            </a:r>
+          </a:p>
+          <a:p>
+            <a:endParaRPr lang="en-US" dirty="0"/>
+          </a:p>
+          <a:p>
+            <a:r>
+              <a:rPr lang="en-US" dirty="0" err="1"/>
+              <a:t>total_deaths_by_age_group_y_and_day</a:t>
+            </a:r>
+            <a:r>
+              <a:rPr lang="en-US" dirty="0"/>
+              <a:t>['Age range'] = </a:t>
+            </a:r>
+            <a:r>
+              <a:rPr lang="en-US" dirty="0" err="1"/>
+              <a:t>total_deaths_by_age_group_y_and_day</a:t>
+            </a:r>
+            <a:r>
+              <a:rPr lang="en-US" dirty="0"/>
+              <a:t>['</a:t>
+            </a:r>
+            <a:r>
+              <a:rPr lang="en-US" dirty="0" err="1"/>
+              <a:t>Age_group</a:t>
+            </a:r>
+            <a:r>
+              <a:rPr lang="en-US" dirty="0"/>
+              <a:t>'].replace({1:'0-4', 2:'5-9', 3:'10-14', 4:'15-19', 5:'20-24', 6:'25-29', 7:'30-34', 8:'35-39', 9:'40-44',10:'45-49',11:'50-54', 12:'55-59' , 13:'60-64', 14:'65-69', 15:'70-74', 16:'75-79', 17:'80-84', 18:'85 and over'})</a:t>
+            </a:r>
+          </a:p>
+          <a:p>
+            <a:endParaRPr lang="en-US" dirty="0"/>
+          </a:p>
+          <a:p>
+            <a:r>
+              <a:rPr lang="en-US" dirty="0"/>
+              <a:t>ax = </a:t>
+            </a:r>
+            <a:r>
+              <a:rPr lang="en-US" dirty="0" err="1"/>
+              <a:t>sns.catplot</a:t>
+            </a:r>
+            <a:r>
+              <a:rPr lang="en-US" dirty="0"/>
+              <a:t>(x="</a:t>
+            </a:r>
+            <a:r>
+              <a:rPr lang="en-US" dirty="0" err="1"/>
+              <a:t>day_of_week_of_death</a:t>
+            </a:r>
+            <a:r>
+              <a:rPr lang="en-US" dirty="0"/>
+              <a:t>", y="counts",</a:t>
+            </a:r>
+          </a:p>
+          <a:p>
+            <a:r>
+              <a:rPr lang="en-US" dirty="0"/>
+              <a:t>                col="Age range", </a:t>
+            </a:r>
+            <a:r>
+              <a:rPr lang="en-US" dirty="0" err="1"/>
+              <a:t>col_wrap</a:t>
+            </a:r>
+            <a:r>
+              <a:rPr lang="en-US" dirty="0"/>
+              <a:t>=6,</a:t>
+            </a:r>
+          </a:p>
+          <a:p>
+            <a:r>
+              <a:rPr lang="en-US" dirty="0"/>
+              <a:t>                data=</a:t>
+            </a:r>
+            <a:r>
+              <a:rPr lang="en-US" dirty="0" err="1"/>
+              <a:t>total_deaths_by_age_group_y_and_day</a:t>
+            </a:r>
+            <a:r>
+              <a:rPr lang="en-US" dirty="0"/>
+              <a:t>, kind="box",</a:t>
+            </a:r>
+          </a:p>
+          <a:p>
+            <a:r>
+              <a:rPr lang="en-US" dirty="0"/>
+              <a:t>                height=4, aspect=.7);</a:t>
+            </a:r>
+          </a:p>
+          <a:p>
+            <a:r>
+              <a:rPr lang="en-US" dirty="0" err="1"/>
+              <a:t>ax.set_axis_labels</a:t>
+            </a:r>
+            <a:r>
+              <a:rPr lang="en-US" dirty="0"/>
+              <a:t>("", "Counts")</a:t>
+            </a:r>
+          </a:p>
+          <a:p>
+            <a:r>
+              <a:rPr lang="en-US" dirty="0" err="1"/>
+              <a:t>ax.set_xticklabels</a:t>
+            </a:r>
+            <a:r>
+              <a:rPr lang="en-US" dirty="0"/>
+              <a:t>(rotation=45, </a:t>
+            </a:r>
+            <a:r>
+              <a:rPr lang="en-US" dirty="0" err="1"/>
+              <a:t>horizontalalignment</a:t>
+            </a:r>
+            <a:r>
+              <a:rPr lang="en-US" dirty="0"/>
+              <a:t>='right')</a:t>
+            </a:r>
+          </a:p>
+          <a:p>
+            <a:r>
+              <a:rPr lang="en-US" dirty="0" err="1"/>
+              <a:t>plt.subplots_adjust</a:t>
+            </a:r>
+            <a:r>
+              <a:rPr lang="en-US" dirty="0"/>
+              <a:t>(top=0.92)</a:t>
+            </a:r>
+          </a:p>
+          <a:p>
+            <a:r>
+              <a:rPr lang="en-US" dirty="0" err="1"/>
+              <a:t>ax.fig.suptitle</a:t>
+            </a:r>
+            <a:r>
+              <a:rPr lang="en-US" dirty="0"/>
+              <a:t>('Total Motor Vehicle Deaths by Age Group and Day of Week of Death (2005-2015)') </a:t>
+            </a:r>
+          </a:p>
+          <a:p>
+            <a:r>
+              <a:rPr lang="en-US" dirty="0" err="1"/>
+              <a:t>plt.savefig</a:t>
+            </a:r>
+            <a:r>
+              <a:rPr lang="en-US" dirty="0"/>
+              <a:t>('</a:t>
+            </a:r>
+            <a:r>
+              <a:rPr lang="en-US" dirty="0" err="1"/>
+              <a:t>Deaths_by_age_group_and_day_of_week.pdf</a:t>
+            </a:r>
+            <a:r>
+              <a:rPr lang="en-US" dirty="0"/>
+              <a:t>')</a:t>
+            </a:r>
+          </a:p>
+          <a:p>
+            <a:endParaRPr lang="en-US" dirty="0"/>
+          </a:p>
+          <a:p>
+            <a:r>
+              <a:rPr lang="en-US" dirty="0"/>
+              <a:t>#https://</a:t>
+            </a:r>
+            <a:r>
+              <a:rPr lang="en-US" dirty="0" err="1"/>
+              <a:t>stackoverflow.com</a:t>
+            </a:r>
+            <a:r>
+              <a:rPr lang="en-US" dirty="0"/>
+              <a:t>/questions/43920341/python-seaborn-</a:t>
+            </a:r>
+            <a:r>
+              <a:rPr lang="en-US" dirty="0" err="1"/>
+              <a:t>facetgrid</a:t>
+            </a:r>
+            <a:r>
+              <a:rPr lang="en-US" dirty="0"/>
+              <a:t>-change-titles</a:t>
+            </a:r>
+          </a:p>
+        </p:txBody>
+      </p:sp>
+      <p:sp>
+        <p:nvSpPr>
+          <p:cNvPr id="4" name="Slide Number Placeholder 3"/>
+          <p:cNvSpPr>
+            <a:spLocks noGrp="1"/>
+          </p:cNvSpPr>
+          <p:nvPr>
+            <p:ph type="sldNum" sz="quarter" idx="5"/>
+          </p:nvPr>
+        </p:nvSpPr>
+        <p:spPr/>
+        <p:txBody>
+          <a:bodyPr/>
+          <a:lstStyle/>
+          <a:p>
+            <a:fld id="{53146910-B796-224B-B5D6-9062CCED6DA0}" type="slidenum">
+              <a:rPr lang="en-US" smtClean="0"/>
+              <a:t>6</a:t>
+            </a:fld>
+            <a:endParaRPr lang="en-US"/>
+          </a:p>
+        </p:txBody>
+      </p:sp>
+    </p:spTree>
+    <p:extLst>
+      <p:ext uri="{BB962C8B-B14F-4D97-AF65-F5344CB8AC3E}">
+        <p14:creationId xmlns:p14="http://schemas.microsoft.com/office/powerpoint/2010/main" val="2766257783"/>
+      </p:ext>
+    </p:extLst>
+  </p:cSld>
+  <p:clrMapOvr>
+    <a:masterClrMapping/>
+  </p:clrMapOvr>
+</p:notes>
+</file>
+
+<file path=ppt/notesSlides/notesSlide5.xml><?xml version="1.0" encoding="utf-8"?>
+<p:notes xmlns:a="http://schemas.openxmlformats.org/drawingml/2006/main" xmlns:r="http://schemas.openxmlformats.org/officeDocument/2006/relationships" xmlns:p="http://schemas.openxmlformats.org/presentationml/2006/main">
+  <p:cSld>
+    <p:spTree>
+      <p:nvGrpSpPr>
+        <p:cNvPr id="1" name=""/>
+        <p:cNvGrpSpPr/>
+        <p:nvPr/>
+      </p:nvGrpSpPr>
+      <p:grpSpPr>
+        <a:xfrm>
+          <a:off x="0" y="0"/>
+          <a:ext cx="0" cy="0"/>
+          <a:chOff x="0" y="0"/>
+          <a:chExt cx="0" cy="0"/>
+        </a:xfrm>
+      </p:grpSpPr>
+      <p:sp>
+        <p:nvSpPr>
+          <p:cNvPr id="2" name="Slide Image Placeholder 1"/>
+          <p:cNvSpPr>
+            <a:spLocks noGrp="1" noRot="1" noChangeAspect="1"/>
+          </p:cNvSpPr>
+          <p:nvPr>
+            <p:ph type="sldImg"/>
+          </p:nvPr>
+        </p:nvSpPr>
+        <p:spPr/>
+      </p:sp>
+      <p:sp>
+        <p:nvSpPr>
+          <p:cNvPr id="3" name="Notes Placeholder 2"/>
+          <p:cNvSpPr>
+            <a:spLocks noGrp="1"/>
+          </p:cNvSpPr>
+          <p:nvPr>
+            <p:ph type="body" idx="1"/>
+          </p:nvPr>
+        </p:nvSpPr>
+        <p:spPr/>
+        <p:txBody>
+          <a:bodyPr/>
+          <a:lstStyle/>
+          <a:p>
+            <a:r>
+              <a:rPr lang="en-US" dirty="0"/>
               <a:t>(most of the work here was rearranging the data to do the test, not shown)</a:t>
             </a:r>
           </a:p>
@@ -1799,7 +2068,7 @@
           <a:p>
             <a:fld id="{53146910-B796-224B-B5D6-9062CCED6DA0}" type="slidenum">
               <a:rPr lang="en-US" smtClean="0"/>
-              <a:t>5</a:t>
+              <a:t>7</a:t>
             </a:fld>
             <a:endParaRPr lang="en-US"/>
           </a:p>
@@ -5294,6 +5563,552 @@
           <a:chExt cx="0" cy="0"/>
         </a:xfrm>
       </p:grpSpPr>
+      <p:pic>
+        <p:nvPicPr>
+          <p:cNvPr id="7" name="Picture 6">
+            <a:extLst>
+              <a:ext uri="{FF2B5EF4-FFF2-40B4-BE49-F238E27FC236}">
+                <a16:creationId xmlns:a16="http://schemas.microsoft.com/office/drawing/2014/main" id="{4DDCFEE9-7078-3341-B000-5548C67EB11C}"/>
+              </a:ext>
+            </a:extLst>
+          </p:cNvPr>
+          <p:cNvPicPr>
+            <a:picLocks noChangeAspect="1"/>
+          </p:cNvPicPr>
+          <p:nvPr/>
+        </p:nvPicPr>
+        <p:blipFill>
+          <a:blip r:embed="rId3"/>
+          <a:stretch>
+            <a:fillRect/>
+          </a:stretch>
+        </p:blipFill>
+        <p:spPr>
+          <a:xfrm>
+            <a:off x="2093256" y="124008"/>
+            <a:ext cx="4957488" cy="3304992"/>
+          </a:xfrm>
+          <a:prstGeom prst="rect">
+            <a:avLst/>
+          </a:prstGeom>
+        </p:spPr>
+      </p:pic>
+      <p:pic>
+        <p:nvPicPr>
+          <p:cNvPr id="5" name="Picture 4">
+            <a:extLst>
+              <a:ext uri="{FF2B5EF4-FFF2-40B4-BE49-F238E27FC236}">
+                <a16:creationId xmlns:a16="http://schemas.microsoft.com/office/drawing/2014/main" id="{F6A7ABB2-2B01-8B4F-81C4-0B1C5148A0BC}"/>
+              </a:ext>
+            </a:extLst>
+          </p:cNvPr>
+          <p:cNvPicPr>
+            <a:picLocks noChangeAspect="1"/>
+          </p:cNvPicPr>
+          <p:nvPr/>
+        </p:nvPicPr>
+        <p:blipFill>
+          <a:blip r:embed="rId4"/>
+          <a:stretch>
+            <a:fillRect/>
+          </a:stretch>
+        </p:blipFill>
+        <p:spPr>
+          <a:xfrm>
+            <a:off x="2093256" y="3090627"/>
+            <a:ext cx="5010979" cy="3340653"/>
+          </a:xfrm>
+          <a:prstGeom prst="rect">
+            <a:avLst/>
+          </a:prstGeom>
+        </p:spPr>
+      </p:pic>
+      <p:sp>
+        <p:nvSpPr>
+          <p:cNvPr id="6" name="Rectangle 5">
+            <a:extLst>
+              <a:ext uri="{FF2B5EF4-FFF2-40B4-BE49-F238E27FC236}">
+                <a16:creationId xmlns:a16="http://schemas.microsoft.com/office/drawing/2014/main" id="{09E2A071-0874-1B42-8386-4F101427667E}"/>
+              </a:ext>
+            </a:extLst>
+          </p:cNvPr>
+          <p:cNvSpPr/>
+          <p:nvPr/>
+        </p:nvSpPr>
+        <p:spPr>
+          <a:xfrm>
+            <a:off x="174811" y="6611779"/>
+            <a:ext cx="5298141" cy="246221"/>
+          </a:xfrm>
+          <a:prstGeom prst="rect">
+            <a:avLst/>
+          </a:prstGeom>
+        </p:spPr>
+        <p:txBody>
+          <a:bodyPr wrap="square">
+            <a:spAutoFit/>
+          </a:bodyPr>
+          <a:lstStyle/>
+          <a:p>
+            <a:r>
+              <a:rPr lang="en-US" sz="1000" dirty="0">
+                <a:latin typeface="Helvetica" pitchFamily="2" charset="0"/>
+              </a:rPr>
+              <a:t>https://</a:t>
+            </a:r>
+            <a:r>
+              <a:rPr lang="en-US" sz="1000" dirty="0" err="1">
+                <a:latin typeface="Helvetica" pitchFamily="2" charset="0"/>
+              </a:rPr>
+              <a:t>www.census.gov</a:t>
+            </a:r>
+            <a:r>
+              <a:rPr lang="en-US" sz="1000" dirty="0">
+                <a:latin typeface="Helvetica" pitchFamily="2" charset="0"/>
+              </a:rPr>
+              <a:t>/data/tables/time-series/demo/</a:t>
+            </a:r>
+            <a:r>
+              <a:rPr lang="en-US" sz="1000" dirty="0" err="1">
+                <a:latin typeface="Helvetica" pitchFamily="2" charset="0"/>
+              </a:rPr>
+              <a:t>popest</a:t>
+            </a:r>
+            <a:r>
+              <a:rPr lang="en-US" sz="1000" dirty="0">
+                <a:latin typeface="Helvetica" pitchFamily="2" charset="0"/>
+              </a:rPr>
+              <a:t>/2010s-national-detail.html</a:t>
+            </a:r>
+          </a:p>
+        </p:txBody>
+      </p:sp>
+    </p:spTree>
+    <p:extLst>
+      <p:ext uri="{BB962C8B-B14F-4D97-AF65-F5344CB8AC3E}">
+        <p14:creationId xmlns:p14="http://schemas.microsoft.com/office/powerpoint/2010/main" val="378315058"/>
+      </p:ext>
+    </p:extLst>
+  </p:cSld>
+  <p:clrMapOvr>
+    <a:masterClrMapping/>
+  </p:clrMapOvr>
+</p:sld>
+</file>
+
+<file path=ppt/slides/slide5.xml><?xml version="1.0" encoding="utf-8"?>
+<p:sld xmlns:a="http://schemas.openxmlformats.org/drawingml/2006/main" xmlns:r="http://schemas.openxmlformats.org/officeDocument/2006/relationships" xmlns:p="http://schemas.openxmlformats.org/presentationml/2006/main">
+  <p:cSld>
+    <p:spTree>
+      <p:nvGrpSpPr>
+        <p:cNvPr id="1" name=""/>
+        <p:cNvGrpSpPr/>
+        <p:nvPr/>
+      </p:nvGrpSpPr>
+      <p:grpSpPr>
+        <a:xfrm>
+          <a:off x="0" y="0"/>
+          <a:ext cx="0" cy="0"/>
+          <a:chOff x="0" y="0"/>
+          <a:chExt cx="0" cy="0"/>
+        </a:xfrm>
+      </p:grpSpPr>
+      <p:grpSp>
+        <p:nvGrpSpPr>
+          <p:cNvPr id="11" name="Group 10">
+            <a:extLst>
+              <a:ext uri="{FF2B5EF4-FFF2-40B4-BE49-F238E27FC236}">
+                <a16:creationId xmlns:a16="http://schemas.microsoft.com/office/drawing/2014/main" id="{2ADE03B6-9DC7-BD42-BF1C-1E08D312637D}"/>
+              </a:ext>
+            </a:extLst>
+          </p:cNvPr>
+          <p:cNvGrpSpPr/>
+          <p:nvPr/>
+        </p:nvGrpSpPr>
+        <p:grpSpPr>
+          <a:xfrm>
+            <a:off x="455990" y="629920"/>
+            <a:ext cx="8232020" cy="5455920"/>
+            <a:chOff x="455990" y="629920"/>
+            <a:chExt cx="8232020" cy="5455920"/>
+          </a:xfrm>
+        </p:grpSpPr>
+        <p:pic>
+          <p:nvPicPr>
+            <p:cNvPr id="3" name="Picture 2">
+              <a:extLst>
+                <a:ext uri="{FF2B5EF4-FFF2-40B4-BE49-F238E27FC236}">
+                  <a16:creationId xmlns:a16="http://schemas.microsoft.com/office/drawing/2014/main" id="{329A1C18-7572-F749-8D07-00BC05F76271}"/>
+                </a:ext>
+              </a:extLst>
+            </p:cNvPr>
+            <p:cNvPicPr>
+              <a:picLocks noChangeAspect="1"/>
+            </p:cNvPicPr>
+            <p:nvPr/>
+          </p:nvPicPr>
+          <p:blipFill>
+            <a:blip r:embed="rId2"/>
+            <a:stretch>
+              <a:fillRect/>
+            </a:stretch>
+          </p:blipFill>
+          <p:spPr>
+            <a:xfrm>
+              <a:off x="455990" y="629920"/>
+              <a:ext cx="8232020" cy="5455920"/>
+            </a:xfrm>
+            <a:prstGeom prst="rect">
+              <a:avLst/>
+            </a:prstGeom>
+          </p:spPr>
+        </p:pic>
+        <p:sp>
+          <p:nvSpPr>
+            <p:cNvPr id="4" name="TextBox 3">
+              <a:extLst>
+                <a:ext uri="{FF2B5EF4-FFF2-40B4-BE49-F238E27FC236}">
+                  <a16:creationId xmlns:a16="http://schemas.microsoft.com/office/drawing/2014/main" id="{2EDBD20B-96F4-4641-8841-CBE8D09AB120}"/>
+                </a:ext>
+              </a:extLst>
+            </p:cNvPr>
+            <p:cNvSpPr txBox="1"/>
+            <p:nvPr/>
+          </p:nvSpPr>
+          <p:spPr>
+            <a:xfrm>
+              <a:off x="5577840" y="1127760"/>
+              <a:ext cx="711200" cy="307777"/>
+            </a:xfrm>
+            <a:prstGeom prst="rect">
+              <a:avLst/>
+            </a:prstGeom>
+            <a:noFill/>
+          </p:spPr>
+          <p:txBody>
+            <a:bodyPr wrap="square" rtlCol="0">
+              <a:spAutoFit/>
+            </a:bodyPr>
+            <a:lstStyle/>
+            <a:p>
+              <a:r>
+                <a:rPr lang="en-US" sz="1400" b="1" dirty="0">
+                  <a:solidFill>
+                    <a:srgbClr val="FF0000"/>
+                  </a:solidFill>
+                  <a:latin typeface="Helvetica" pitchFamily="2" charset="0"/>
+                </a:rPr>
+                <a:t>20-24</a:t>
+              </a:r>
+            </a:p>
+          </p:txBody>
+        </p:sp>
+        <p:sp>
+          <p:nvSpPr>
+            <p:cNvPr id="5" name="TextBox 4">
+              <a:extLst>
+                <a:ext uri="{FF2B5EF4-FFF2-40B4-BE49-F238E27FC236}">
+                  <a16:creationId xmlns:a16="http://schemas.microsoft.com/office/drawing/2014/main" id="{8396C467-6593-1F46-ACFD-EE55EE110EBA}"/>
+                </a:ext>
+              </a:extLst>
+            </p:cNvPr>
+            <p:cNvSpPr txBox="1"/>
+            <p:nvPr/>
+          </p:nvSpPr>
+          <p:spPr>
+            <a:xfrm>
+              <a:off x="5435600" y="1933377"/>
+              <a:ext cx="711200" cy="307777"/>
+            </a:xfrm>
+            <a:prstGeom prst="rect">
+              <a:avLst/>
+            </a:prstGeom>
+            <a:noFill/>
+          </p:spPr>
+          <p:txBody>
+            <a:bodyPr wrap="square" rtlCol="0">
+              <a:spAutoFit/>
+            </a:bodyPr>
+            <a:lstStyle/>
+            <a:p>
+              <a:r>
+                <a:rPr lang="en-US" sz="1400" b="1" dirty="0">
+                  <a:solidFill>
+                    <a:srgbClr val="FF0000"/>
+                  </a:solidFill>
+                  <a:latin typeface="Helvetica" pitchFamily="2" charset="0"/>
+                </a:rPr>
+                <a:t>25-29</a:t>
+              </a:r>
+            </a:p>
+          </p:txBody>
+        </p:sp>
+        <p:sp>
+          <p:nvSpPr>
+            <p:cNvPr id="6" name="TextBox 5">
+              <a:extLst>
+                <a:ext uri="{FF2B5EF4-FFF2-40B4-BE49-F238E27FC236}">
+                  <a16:creationId xmlns:a16="http://schemas.microsoft.com/office/drawing/2014/main" id="{0EB91DD6-BAB3-C341-BAC3-2997CCB7F278}"/>
+                </a:ext>
+              </a:extLst>
+            </p:cNvPr>
+            <p:cNvSpPr txBox="1"/>
+            <p:nvPr/>
+          </p:nvSpPr>
+          <p:spPr>
+            <a:xfrm>
+              <a:off x="5186680" y="4208358"/>
+              <a:ext cx="497840" cy="307777"/>
+            </a:xfrm>
+            <a:prstGeom prst="rect">
+              <a:avLst/>
+            </a:prstGeom>
+            <a:noFill/>
+          </p:spPr>
+          <p:txBody>
+            <a:bodyPr wrap="square" rtlCol="0">
+              <a:spAutoFit/>
+            </a:bodyPr>
+            <a:lstStyle/>
+            <a:p>
+              <a:r>
+                <a:rPr lang="en-US" sz="1400" b="1" dirty="0">
+                  <a:solidFill>
+                    <a:srgbClr val="0070C0"/>
+                  </a:solidFill>
+                  <a:latin typeface="Helvetica" pitchFamily="2" charset="0"/>
+                </a:rPr>
+                <a:t>0-4</a:t>
+              </a:r>
+            </a:p>
+          </p:txBody>
+        </p:sp>
+        <p:sp>
+          <p:nvSpPr>
+            <p:cNvPr id="7" name="TextBox 6">
+              <a:extLst>
+                <a:ext uri="{FF2B5EF4-FFF2-40B4-BE49-F238E27FC236}">
+                  <a16:creationId xmlns:a16="http://schemas.microsoft.com/office/drawing/2014/main" id="{75477DDC-AEF2-5143-A148-4794689763EC}"/>
+                </a:ext>
+              </a:extLst>
+            </p:cNvPr>
+            <p:cNvSpPr txBox="1"/>
+            <p:nvPr/>
+          </p:nvSpPr>
+          <p:spPr>
+            <a:xfrm>
+              <a:off x="5542280" y="3982816"/>
+              <a:ext cx="497840" cy="307777"/>
+            </a:xfrm>
+            <a:prstGeom prst="rect">
+              <a:avLst/>
+            </a:prstGeom>
+            <a:noFill/>
+          </p:spPr>
+          <p:txBody>
+            <a:bodyPr wrap="square" rtlCol="0">
+              <a:spAutoFit/>
+            </a:bodyPr>
+            <a:lstStyle/>
+            <a:p>
+              <a:r>
+                <a:rPr lang="en-US" sz="1400" b="1" dirty="0">
+                  <a:solidFill>
+                    <a:srgbClr val="0070C0"/>
+                  </a:solidFill>
+                  <a:latin typeface="Helvetica" pitchFamily="2" charset="0"/>
+                </a:rPr>
+                <a:t>5-9</a:t>
+              </a:r>
+            </a:p>
+          </p:txBody>
+        </p:sp>
+        <p:sp>
+          <p:nvSpPr>
+            <p:cNvPr id="8" name="TextBox 7">
+              <a:extLst>
+                <a:ext uri="{FF2B5EF4-FFF2-40B4-BE49-F238E27FC236}">
+                  <a16:creationId xmlns:a16="http://schemas.microsoft.com/office/drawing/2014/main" id="{FF28E9D1-1CFC-204E-A435-3F94C596E09F}"/>
+                </a:ext>
+              </a:extLst>
+            </p:cNvPr>
+            <p:cNvSpPr txBox="1"/>
+            <p:nvPr/>
+          </p:nvSpPr>
+          <p:spPr>
+            <a:xfrm>
+              <a:off x="5826760" y="4140297"/>
+              <a:ext cx="650240" cy="307777"/>
+            </a:xfrm>
+            <a:prstGeom prst="rect">
+              <a:avLst/>
+            </a:prstGeom>
+            <a:noFill/>
+          </p:spPr>
+          <p:txBody>
+            <a:bodyPr wrap="square" rtlCol="0">
+              <a:spAutoFit/>
+            </a:bodyPr>
+            <a:lstStyle/>
+            <a:p>
+              <a:r>
+                <a:rPr lang="en-US" sz="1400" b="1" dirty="0">
+                  <a:solidFill>
+                    <a:srgbClr val="0070C0"/>
+                  </a:solidFill>
+                  <a:latin typeface="Helvetica" pitchFamily="2" charset="0"/>
+                </a:rPr>
+                <a:t>10-14</a:t>
+              </a:r>
+            </a:p>
+          </p:txBody>
+        </p:sp>
+        <p:sp>
+          <p:nvSpPr>
+            <p:cNvPr id="9" name="Rectangle 8">
+              <a:extLst>
+                <a:ext uri="{FF2B5EF4-FFF2-40B4-BE49-F238E27FC236}">
+                  <a16:creationId xmlns:a16="http://schemas.microsoft.com/office/drawing/2014/main" id="{0AB6457A-7BC9-7C41-8898-32B6DDD93D77}"/>
+                </a:ext>
+              </a:extLst>
+            </p:cNvPr>
+            <p:cNvSpPr/>
+            <p:nvPr/>
+          </p:nvSpPr>
+          <p:spPr>
+            <a:xfrm>
+              <a:off x="7122160" y="1445697"/>
+              <a:ext cx="995680" cy="728543"/>
+            </a:xfrm>
+            <a:prstGeom prst="rect">
+              <a:avLst/>
+            </a:prstGeom>
+            <a:noFill/>
+            <a:ln>
+              <a:solidFill>
+                <a:schemeClr val="tx1"/>
+              </a:solidFill>
+            </a:ln>
+          </p:spPr>
+          <p:style>
+            <a:lnRef idx="2">
+              <a:schemeClr val="accent1">
+                <a:shade val="50000"/>
+              </a:schemeClr>
+            </a:lnRef>
+            <a:fillRef idx="1">
+              <a:schemeClr val="accent1"/>
+            </a:fillRef>
+            <a:effectRef idx="0">
+              <a:schemeClr val="accent1"/>
+            </a:effectRef>
+            <a:fontRef idx="minor">
+              <a:schemeClr val="lt1"/>
+            </a:fontRef>
+          </p:style>
+          <p:txBody>
+            <a:bodyPr rtlCol="0" anchor="ctr"/>
+            <a:lstStyle/>
+            <a:p>
+              <a:pPr algn="ctr"/>
+              <a:endParaRPr lang="en-US">
+                <a:solidFill>
+                  <a:srgbClr val="0070C0"/>
+                </a:solidFill>
+              </a:endParaRPr>
+            </a:p>
+          </p:txBody>
+        </p:sp>
+        <p:sp>
+          <p:nvSpPr>
+            <p:cNvPr id="10" name="Rectangle 9">
+              <a:extLst>
+                <a:ext uri="{FF2B5EF4-FFF2-40B4-BE49-F238E27FC236}">
+                  <a16:creationId xmlns:a16="http://schemas.microsoft.com/office/drawing/2014/main" id="{14443E65-71A9-FC47-9E02-F9AA0D58E07B}"/>
+                </a:ext>
+              </a:extLst>
+            </p:cNvPr>
+            <p:cNvSpPr/>
+            <p:nvPr/>
+          </p:nvSpPr>
+          <p:spPr>
+            <a:xfrm>
+              <a:off x="7122160" y="2431218"/>
+              <a:ext cx="995680" cy="518160"/>
+            </a:xfrm>
+            <a:prstGeom prst="rect">
+              <a:avLst/>
+            </a:prstGeom>
+            <a:noFill/>
+            <a:ln>
+              <a:solidFill>
+                <a:srgbClr val="FF0000"/>
+              </a:solidFill>
+            </a:ln>
+          </p:spPr>
+          <p:style>
+            <a:lnRef idx="2">
+              <a:schemeClr val="accent1">
+                <a:shade val="50000"/>
+              </a:schemeClr>
+            </a:lnRef>
+            <a:fillRef idx="1">
+              <a:schemeClr val="accent1"/>
+            </a:fillRef>
+            <a:effectRef idx="0">
+              <a:schemeClr val="accent1"/>
+            </a:effectRef>
+            <a:fontRef idx="minor">
+              <a:schemeClr val="lt1"/>
+            </a:fontRef>
+          </p:style>
+          <p:txBody>
+            <a:bodyPr rtlCol="0" anchor="ctr"/>
+            <a:lstStyle/>
+            <a:p>
+              <a:pPr algn="ctr"/>
+              <a:endParaRPr lang="en-US" dirty="0">
+                <a:solidFill>
+                  <a:srgbClr val="FF0000"/>
+                </a:solidFill>
+                <a:highlight>
+                  <a:srgbClr val="FF0000"/>
+                </a:highlight>
+              </a:endParaRPr>
+            </a:p>
+          </p:txBody>
+        </p:sp>
+      </p:grpSp>
+    </p:spTree>
+    <p:extLst>
+      <p:ext uri="{BB962C8B-B14F-4D97-AF65-F5344CB8AC3E}">
+        <p14:creationId xmlns:p14="http://schemas.microsoft.com/office/powerpoint/2010/main" val="225150002"/>
+      </p:ext>
+    </p:extLst>
+  </p:cSld>
+  <p:clrMapOvr>
+    <a:masterClrMapping/>
+  </p:clrMapOvr>
+</p:sld>
+</file>
+
+<file path=ppt/slides/slide6.xml><?xml version="1.0" encoding="utf-8"?>
+<p:sld xmlns:a="http://schemas.openxmlformats.org/drawingml/2006/main" xmlns:r="http://schemas.openxmlformats.org/officeDocument/2006/relationships" xmlns:p="http://schemas.openxmlformats.org/presentationml/2006/main">
+  <p:cSld>
+    <p:spTree>
+      <p:nvGrpSpPr>
+        <p:cNvPr id="1" name=""/>
+        <p:cNvGrpSpPr/>
+        <p:nvPr/>
+      </p:nvGrpSpPr>
+      <p:grpSpPr>
+        <a:xfrm>
+          <a:off x="0" y="0"/>
+          <a:ext cx="0" cy="0"/>
+          <a:chOff x="0" y="0"/>
+          <a:chExt cx="0" cy="0"/>
+        </a:xfrm>
+      </p:grpSpPr>
       <p:sp>
         <p:nvSpPr>
           <p:cNvPr id="2" name="TextBox 1">
@@ -5382,7 +6197,7 @@
 </p:sld>
 </file>
 
-<file path=ppt/slides/slide5.xml><?xml version="1.0" encoding="utf-8"?>
+<file path=ppt/slides/slide7.xml><?xml version="1.0" encoding="utf-8"?>
 <p:sld xmlns:a="http://schemas.openxmlformats.org/drawingml/2006/main" xmlns:r="http://schemas.openxmlformats.org/officeDocument/2006/relationships" xmlns:p="http://schemas.openxmlformats.org/presentationml/2006/main">
   <p:cSld>
     <p:spTree>
@@ -5588,7 +6403,7 @@
 </p:sld>
 </file>
 
-<file path=ppt/slides/slide6.xml><?xml version="1.0" encoding="utf-8"?>
+<file path=ppt/slides/slide8.xml><?xml version="1.0" encoding="utf-8"?>
 <p:sld xmlns:a="http://schemas.openxmlformats.org/drawingml/2006/main" xmlns:r="http://schemas.openxmlformats.org/officeDocument/2006/relationships" xmlns:p="http://schemas.openxmlformats.org/presentationml/2006/main">
   <p:cSld>
     <p:spTree>
@@ -5646,6 +6461,41 @@
                 <a:latin typeface="Helvetica" pitchFamily="2" charset="0"/>
               </a:rPr>
               <a:t>Chose age groups of 15 years each (except final one, which is open-ended)</a:t>
+            </a:r>
+          </a:p>
+        </p:txBody>
+      </p:sp>
+      <p:sp>
+        <p:nvSpPr>
+          <p:cNvPr id="3" name="TextBox 2">
+            <a:extLst>
+              <a:ext uri="{FF2B5EF4-FFF2-40B4-BE49-F238E27FC236}">
+                <a16:creationId xmlns:a16="http://schemas.microsoft.com/office/drawing/2014/main" id="{A06E56EF-8273-CF47-B4AD-B4876662E365}"/>
+              </a:ext>
+            </a:extLst>
+          </p:cNvPr>
+          <p:cNvSpPr txBox="1"/>
+          <p:nvPr/>
+        </p:nvSpPr>
+        <p:spPr>
+          <a:xfrm>
+            <a:off x="1580827" y="2495227"/>
+            <a:ext cx="3905573" cy="369332"/>
+          </a:xfrm>
+          <a:prstGeom prst="rect">
+            <a:avLst/>
+          </a:prstGeom>
+          <a:noFill/>
+        </p:spPr>
+        <p:txBody>
+          <a:bodyPr wrap="square" rtlCol="0">
+            <a:spAutoFit/>
+          </a:bodyPr>
+          <a:lstStyle/>
+          <a:p>
+            <a:r>
+              <a:rPr lang="en-US" dirty="0"/>
+              <a:t>Work in progress (or never to be done)</a:t>
             </a:r>
           </a:p>
         </p:txBody>

--- a/Barbara_Project1_Team3.pptx
+++ b/Barbara_Project1_Team3.pptx
@@ -114,6 +114,11 @@
       </a:defRPr>
     </a:lvl9pPr>
   </p:defaultTextStyle>
+  <p:extLst>
+    <p:ext uri="{EFAFB233-063F-42B5-8137-9DF3F51BA10A}">
+      <p15:sldGuideLst xmlns:p15="http://schemas.microsoft.com/office/powerpoint/2012/main"/>
+    </p:ext>
+  </p:extLst>
 </p:presentation>
 </file>
 
@@ -199,7 +204,7 @@
           <a:p>
             <a:fld id="{8889C389-71F6-5543-B690-D055992F84DB}" type="datetimeFigureOut">
               <a:rPr lang="en-US" smtClean="0"/>
-              <a:t>7/30/20</a:t>
+              <a:t>7/31/20</a:t>
             </a:fld>
             <a:endParaRPr lang="en-US"/>
           </a:p>
@@ -510,556 +515,9 @@
           <a:bodyPr/>
           <a:lstStyle/>
           <a:p>
-            <a:r>
-              <a:rPr lang="en-US" sz="1000" dirty="0">
-                <a:latin typeface="Helvetica" pitchFamily="2" charset="0"/>
-              </a:rPr>
-              <a:t>PLOT</a:t>
-            </a:r>
-          </a:p>
-          <a:p>
-            <a:r>
-              <a:rPr lang="en-US" sz="1000" dirty="0" err="1">
-                <a:latin typeface="Helvetica" pitchFamily="2" charset="0"/>
-              </a:rPr>
-              <a:t>total_deaths_by_d_and_y</a:t>
-            </a:r>
-            <a:r>
-              <a:rPr lang="en-US" sz="1000" dirty="0">
-                <a:latin typeface="Helvetica" pitchFamily="2" charset="0"/>
-              </a:rPr>
-              <a:t> = </a:t>
-            </a:r>
-            <a:r>
-              <a:rPr lang="en-US" sz="1000" dirty="0" err="1">
-                <a:latin typeface="Helvetica" pitchFamily="2" charset="0"/>
-              </a:rPr>
-              <a:t>finalDf.groupby</a:t>
-            </a:r>
-            <a:r>
-              <a:rPr lang="en-US" sz="1000" dirty="0">
-                <a:latin typeface="Helvetica" pitchFamily="2" charset="0"/>
-              </a:rPr>
-              <a:t>(['</a:t>
-            </a:r>
-            <a:r>
-              <a:rPr lang="en-US" sz="1000" dirty="0" err="1">
-                <a:latin typeface="Helvetica" pitchFamily="2" charset="0"/>
-              </a:rPr>
-              <a:t>day_of_week_of_death</a:t>
-            </a:r>
-            <a:r>
-              <a:rPr lang="en-US" sz="1000" dirty="0">
-                <a:latin typeface="Helvetica" pitchFamily="2" charset="0"/>
-              </a:rPr>
-              <a:t>', '</a:t>
-            </a:r>
-            <a:r>
-              <a:rPr lang="en-US" sz="1000" dirty="0" err="1">
-                <a:latin typeface="Helvetica" pitchFamily="2" charset="0"/>
-              </a:rPr>
-              <a:t>current_data_year</a:t>
-            </a:r>
-            <a:r>
-              <a:rPr lang="en-US" sz="1000" dirty="0">
-                <a:latin typeface="Helvetica" pitchFamily="2" charset="0"/>
-              </a:rPr>
-              <a:t>']).size().</a:t>
-            </a:r>
-            <a:r>
-              <a:rPr lang="en-US" sz="1000" dirty="0" err="1">
-                <a:latin typeface="Helvetica" pitchFamily="2" charset="0"/>
-              </a:rPr>
-              <a:t>reset_index</a:t>
-            </a:r>
-            <a:r>
-              <a:rPr lang="en-US" sz="1000" dirty="0">
-                <a:latin typeface="Helvetica" pitchFamily="2" charset="0"/>
-              </a:rPr>
-              <a:t>(name='counts')</a:t>
-            </a:r>
-          </a:p>
-          <a:p>
-            <a:r>
-              <a:rPr lang="en-US" sz="1000" dirty="0">
-                <a:latin typeface="Helvetica" pitchFamily="2" charset="0"/>
-              </a:rPr>
-              <a:t>#</a:t>
-            </a:r>
-            <a:r>
-              <a:rPr lang="en-US" sz="1000" dirty="0" err="1">
-                <a:latin typeface="Helvetica" pitchFamily="2" charset="0"/>
-              </a:rPr>
-              <a:t>total_deaths_by_d_and_y</a:t>
-            </a:r>
             <a:endParaRPr lang="en-US" sz="1000" dirty="0">
               <a:latin typeface="Helvetica" pitchFamily="2" charset="0"/>
             </a:endParaRPr>
-          </a:p>
-          <a:p>
-            <a:r>
-              <a:rPr lang="en-US" sz="1000" dirty="0">
-                <a:latin typeface="Helvetica" pitchFamily="2" charset="0"/>
-              </a:rPr>
-              <a:t>ax = </a:t>
-            </a:r>
-            <a:r>
-              <a:rPr lang="en-US" sz="1000" dirty="0" err="1">
-                <a:latin typeface="Helvetica" pitchFamily="2" charset="0"/>
-              </a:rPr>
-              <a:t>sns.boxplot</a:t>
-            </a:r>
-            <a:r>
-              <a:rPr lang="en-US" sz="1000" dirty="0">
-                <a:latin typeface="Helvetica" pitchFamily="2" charset="0"/>
-              </a:rPr>
-              <a:t>(x="</a:t>
-            </a:r>
-            <a:r>
-              <a:rPr lang="en-US" sz="1000" dirty="0" err="1">
-                <a:latin typeface="Helvetica" pitchFamily="2" charset="0"/>
-              </a:rPr>
-              <a:t>day_of_week_of_death</a:t>
-            </a:r>
-            <a:r>
-              <a:rPr lang="en-US" sz="1000" dirty="0">
-                <a:latin typeface="Helvetica" pitchFamily="2" charset="0"/>
-              </a:rPr>
-              <a:t>", y='counts', data=</a:t>
-            </a:r>
-            <a:r>
-              <a:rPr lang="en-US" sz="1000" dirty="0" err="1">
-                <a:latin typeface="Helvetica" pitchFamily="2" charset="0"/>
-              </a:rPr>
-              <a:t>total_deaths_by_d_and_y</a:t>
-            </a:r>
-            <a:r>
-              <a:rPr lang="en-US" sz="1000" dirty="0">
-                <a:latin typeface="Helvetica" pitchFamily="2" charset="0"/>
-              </a:rPr>
-              <a:t>)</a:t>
-            </a:r>
-          </a:p>
-          <a:p>
-            <a:r>
-              <a:rPr lang="en-US" sz="1000" dirty="0" err="1">
-                <a:latin typeface="Helvetica" pitchFamily="2" charset="0"/>
-              </a:rPr>
-              <a:t>ax.set_xticklabels</a:t>
-            </a:r>
-            <a:r>
-              <a:rPr lang="en-US" sz="1000" dirty="0">
-                <a:latin typeface="Helvetica" pitchFamily="2" charset="0"/>
-              </a:rPr>
-              <a:t>(</a:t>
-            </a:r>
-            <a:r>
-              <a:rPr lang="en-US" sz="1000" dirty="0" err="1">
-                <a:latin typeface="Helvetica" pitchFamily="2" charset="0"/>
-              </a:rPr>
-              <a:t>ax.get_xticklabels</a:t>
-            </a:r>
-            <a:r>
-              <a:rPr lang="en-US" sz="1000" dirty="0">
-                <a:latin typeface="Helvetica" pitchFamily="2" charset="0"/>
-              </a:rPr>
-              <a:t>(), rotation=45, </a:t>
-            </a:r>
-            <a:r>
-              <a:rPr lang="en-US" sz="1000" dirty="0" err="1">
-                <a:latin typeface="Helvetica" pitchFamily="2" charset="0"/>
-              </a:rPr>
-              <a:t>horizontalalignment</a:t>
-            </a:r>
-            <a:r>
-              <a:rPr lang="en-US" sz="1000" dirty="0">
-                <a:latin typeface="Helvetica" pitchFamily="2" charset="0"/>
-              </a:rPr>
-              <a:t>='right')</a:t>
-            </a:r>
-          </a:p>
-          <a:p>
-            <a:r>
-              <a:rPr lang="en-US" sz="1000" dirty="0" err="1">
-                <a:latin typeface="Helvetica" pitchFamily="2" charset="0"/>
-              </a:rPr>
-              <a:t>ax.set_title</a:t>
-            </a:r>
-            <a:r>
-              <a:rPr lang="en-US" sz="1000" dirty="0">
-                <a:latin typeface="Helvetica" pitchFamily="2" charset="0"/>
-              </a:rPr>
-              <a:t>("Total Motor Vehicle Deaths by Day of Week (2005-2015)")</a:t>
-            </a:r>
-          </a:p>
-          <a:p>
-            <a:r>
-              <a:rPr lang="en-US" sz="1000" dirty="0" err="1">
-                <a:latin typeface="Helvetica" pitchFamily="2" charset="0"/>
-              </a:rPr>
-              <a:t>ax.set</a:t>
-            </a:r>
-            <a:r>
-              <a:rPr lang="en-US" sz="1000" dirty="0">
-                <a:latin typeface="Helvetica" pitchFamily="2" charset="0"/>
-              </a:rPr>
-              <a:t>(</a:t>
-            </a:r>
-            <a:r>
-              <a:rPr lang="en-US" sz="1000" dirty="0" err="1">
-                <a:latin typeface="Helvetica" pitchFamily="2" charset="0"/>
-              </a:rPr>
-              <a:t>xlabel</a:t>
-            </a:r>
-            <a:r>
-              <a:rPr lang="en-US" sz="1000" dirty="0">
-                <a:latin typeface="Helvetica" pitchFamily="2" charset="0"/>
-              </a:rPr>
-              <a:t>='Day of Week of Death', </a:t>
-            </a:r>
-            <a:r>
-              <a:rPr lang="en-US" sz="1000" dirty="0" err="1">
-                <a:latin typeface="Helvetica" pitchFamily="2" charset="0"/>
-              </a:rPr>
-              <a:t>ylabel</a:t>
-            </a:r>
-            <a:r>
-              <a:rPr lang="en-US" sz="1000" dirty="0">
-                <a:latin typeface="Helvetica" pitchFamily="2" charset="0"/>
-              </a:rPr>
-              <a:t>='Counts')</a:t>
-            </a:r>
-          </a:p>
-          <a:p>
-            <a:r>
-              <a:rPr lang="en-US" sz="1000" dirty="0" err="1">
-                <a:latin typeface="Helvetica" pitchFamily="2" charset="0"/>
-              </a:rPr>
-              <a:t>plt.subplots_adjust</a:t>
-            </a:r>
-            <a:r>
-              <a:rPr lang="en-US" sz="1000" dirty="0">
-                <a:latin typeface="Helvetica" pitchFamily="2" charset="0"/>
-              </a:rPr>
-              <a:t>(bottom=0.3)</a:t>
-            </a:r>
-          </a:p>
-          <a:p>
-            <a:r>
-              <a:rPr lang="en-US" sz="1000" dirty="0" err="1">
-                <a:latin typeface="Helvetica" pitchFamily="2" charset="0"/>
-              </a:rPr>
-              <a:t>plt.savefig</a:t>
-            </a:r>
-            <a:r>
-              <a:rPr lang="en-US" sz="1000" dirty="0">
-                <a:latin typeface="Helvetica" pitchFamily="2" charset="0"/>
-              </a:rPr>
-              <a:t>('</a:t>
-            </a:r>
-            <a:r>
-              <a:rPr lang="en-US" sz="1000" dirty="0" err="1">
-                <a:latin typeface="Helvetica" pitchFamily="2" charset="0"/>
-              </a:rPr>
-              <a:t>Deaths_by_day_of_week.pdf</a:t>
-            </a:r>
-            <a:r>
-              <a:rPr lang="en-US" sz="1000" dirty="0">
-                <a:latin typeface="Helvetica" pitchFamily="2" charset="0"/>
-              </a:rPr>
-              <a:t>')</a:t>
-            </a:r>
-          </a:p>
-          <a:p>
-            <a:endParaRPr lang="en-US" sz="1000" dirty="0">
-              <a:latin typeface="Helvetica" pitchFamily="2" charset="0"/>
-            </a:endParaRPr>
-          </a:p>
-          <a:p>
-            <a:r>
-              <a:rPr lang="en-US" sz="1000" dirty="0">
-                <a:latin typeface="Helvetica" pitchFamily="2" charset="0"/>
-              </a:rPr>
-              <a:t>LEVENE'S TEST FOR EQUAL VARIANCE</a:t>
-            </a:r>
-          </a:p>
-          <a:p>
-            <a:r>
-              <a:rPr lang="en-US" sz="1000" dirty="0">
-                <a:latin typeface="Helvetica" pitchFamily="2" charset="0"/>
-              </a:rPr>
-              <a:t>#https://</a:t>
-            </a:r>
-            <a:r>
-              <a:rPr lang="en-US" sz="1000" dirty="0" err="1">
-                <a:latin typeface="Helvetica" pitchFamily="2" charset="0"/>
-              </a:rPr>
-              <a:t>docs.scipy.org</a:t>
-            </a:r>
-            <a:r>
-              <a:rPr lang="en-US" sz="1000" dirty="0">
-                <a:latin typeface="Helvetica" pitchFamily="2" charset="0"/>
-              </a:rPr>
-              <a:t>/doc/</a:t>
-            </a:r>
-            <a:r>
-              <a:rPr lang="en-US" sz="1000" dirty="0" err="1">
-                <a:latin typeface="Helvetica" pitchFamily="2" charset="0"/>
-              </a:rPr>
-              <a:t>scipy</a:t>
-            </a:r>
-            <a:r>
-              <a:rPr lang="en-US" sz="1000" dirty="0">
-                <a:latin typeface="Helvetica" pitchFamily="2" charset="0"/>
-              </a:rPr>
-              <a:t>/reference/generated/</a:t>
-            </a:r>
-            <a:r>
-              <a:rPr lang="en-US" sz="1000" dirty="0" err="1">
-                <a:latin typeface="Helvetica" pitchFamily="2" charset="0"/>
-              </a:rPr>
-              <a:t>scipy.stats.levene.html</a:t>
-            </a:r>
-            <a:endParaRPr lang="en-US" sz="1000" dirty="0">
-              <a:latin typeface="Helvetica" pitchFamily="2" charset="0"/>
-            </a:endParaRPr>
-          </a:p>
-          <a:p>
-            <a:r>
-              <a:rPr lang="en-US" sz="1000" dirty="0">
-                <a:latin typeface="Helvetica" pitchFamily="2" charset="0"/>
-              </a:rPr>
-              <a:t>stat, p = </a:t>
-            </a:r>
-            <a:r>
-              <a:rPr lang="en-US" sz="1000" dirty="0" err="1">
-                <a:latin typeface="Helvetica" pitchFamily="2" charset="0"/>
-              </a:rPr>
-              <a:t>levene</a:t>
-            </a:r>
-            <a:r>
-              <a:rPr lang="en-US" sz="1000" dirty="0">
-                <a:latin typeface="Helvetica" pitchFamily="2" charset="0"/>
-              </a:rPr>
-              <a:t>(dgroup1, dgroup2, dgroup3, dgroup4, dgroup5, dgroup6, dgroup7)</a:t>
-            </a:r>
-          </a:p>
-          <a:p>
-            <a:r>
-              <a:rPr lang="en-US" sz="1000" dirty="0">
-                <a:latin typeface="Helvetica" pitchFamily="2" charset="0"/>
-              </a:rPr>
-              <a:t>p</a:t>
-            </a:r>
-          </a:p>
-          <a:p>
-            <a:endParaRPr lang="en-US" sz="1000" dirty="0">
-              <a:latin typeface="Helvetica" pitchFamily="2" charset="0"/>
-            </a:endParaRPr>
-          </a:p>
-          <a:p>
-            <a:r>
-              <a:rPr lang="en-US" sz="1000" dirty="0">
-                <a:latin typeface="Helvetica" pitchFamily="2" charset="0"/>
-              </a:rPr>
-              <a:t>print(</a:t>
-            </a:r>
-            <a:r>
-              <a:rPr lang="en-US" sz="1000" dirty="0" err="1">
-                <a:latin typeface="Helvetica" pitchFamily="2" charset="0"/>
-              </a:rPr>
-              <a:t>f'Levene</a:t>
-            </a:r>
-            <a:r>
-              <a:rPr lang="en-US" sz="1000" dirty="0">
-                <a:latin typeface="Helvetica" pitchFamily="2" charset="0"/>
-              </a:rPr>
-              <a:t> test p-value {"{:.2e}".format(p)}')</a:t>
-            </a:r>
-          </a:p>
-          <a:p>
-            <a:r>
-              <a:rPr lang="en-US" sz="1000" dirty="0">
-                <a:latin typeface="Helvetica" pitchFamily="2" charset="0"/>
-              </a:rPr>
-              <a:t>if p&lt;0.05:</a:t>
-            </a:r>
-          </a:p>
-          <a:p>
-            <a:r>
-              <a:rPr lang="en-US" sz="1000" dirty="0">
-                <a:latin typeface="Helvetica" pitchFamily="2" charset="0"/>
-              </a:rPr>
-              <a:t>    print(</a:t>
-            </a:r>
-            <a:r>
-              <a:rPr lang="en-US" sz="1000" dirty="0" err="1">
-                <a:latin typeface="Helvetica" pitchFamily="2" charset="0"/>
-              </a:rPr>
-              <a:t>f'p</a:t>
-            </a:r>
-            <a:r>
-              <a:rPr lang="en-US" sz="1000" dirty="0">
-                <a:latin typeface="Helvetica" pitchFamily="2" charset="0"/>
-              </a:rPr>
-              <a:t> &lt; 0.05, sample variances too dissimilar for ANOVA')</a:t>
-            </a:r>
-          </a:p>
-          <a:p>
-            <a:r>
-              <a:rPr lang="en-US" sz="1000" dirty="0">
-                <a:latin typeface="Helvetica" pitchFamily="2" charset="0"/>
-              </a:rPr>
-              <a:t>else:</a:t>
-            </a:r>
-          </a:p>
-          <a:p>
-            <a:r>
-              <a:rPr lang="en-US" sz="1000" dirty="0">
-                <a:latin typeface="Helvetica" pitchFamily="2" charset="0"/>
-              </a:rPr>
-              <a:t>    print(</a:t>
-            </a:r>
-            <a:r>
-              <a:rPr lang="en-US" sz="1000" dirty="0" err="1">
-                <a:latin typeface="Helvetica" pitchFamily="2" charset="0"/>
-              </a:rPr>
-              <a:t>f'p</a:t>
-            </a:r>
-            <a:r>
-              <a:rPr lang="en-US" sz="1000" dirty="0">
-                <a:latin typeface="Helvetica" pitchFamily="2" charset="0"/>
-              </a:rPr>
-              <a:t> &gt;= 0.05, sample variances similar enough for ANOVA')</a:t>
-            </a:r>
-          </a:p>
-          <a:p>
-            <a:endParaRPr lang="en-US" sz="1000" dirty="0">
-              <a:latin typeface="Helvetica" pitchFamily="2" charset="0"/>
-            </a:endParaRPr>
-          </a:p>
-          <a:p>
-            <a:r>
-              <a:rPr lang="en-US" sz="1000" dirty="0">
-                <a:latin typeface="Helvetica" pitchFamily="2" charset="0"/>
-              </a:rPr>
-              <a:t>ANOVA</a:t>
-            </a:r>
-          </a:p>
-          <a:p>
-            <a:r>
-              <a:rPr lang="en-US" sz="1000" dirty="0" err="1">
-                <a:latin typeface="Helvetica" pitchFamily="2" charset="0"/>
-              </a:rPr>
-              <a:t>stats.f_oneway</a:t>
-            </a:r>
-            <a:r>
-              <a:rPr lang="en-US" sz="1000" dirty="0">
-                <a:latin typeface="Helvetica" pitchFamily="2" charset="0"/>
-              </a:rPr>
-              <a:t>(dgroup1, dgroup2, dgroup3, dgroup4, dgroup5, dgroup6, dgroup7)</a:t>
-            </a:r>
-          </a:p>
-          <a:p>
-            <a:endParaRPr lang="en-US" sz="1000" dirty="0">
-              <a:latin typeface="Helvetica" pitchFamily="2" charset="0"/>
-            </a:endParaRPr>
-          </a:p>
-          <a:p>
-            <a:r>
-              <a:rPr lang="en-US" sz="1000" dirty="0">
-                <a:latin typeface="Helvetica" pitchFamily="2" charset="0"/>
-              </a:rPr>
-              <a:t>print("ANOVA")</a:t>
-            </a:r>
-          </a:p>
-          <a:p>
-            <a:r>
-              <a:rPr lang="en-US" sz="1000" dirty="0">
-                <a:latin typeface="Helvetica" pitchFamily="2" charset="0"/>
-              </a:rPr>
-              <a:t>print(</a:t>
-            </a:r>
-            <a:r>
-              <a:rPr lang="en-US" sz="1000" dirty="0" err="1">
-                <a:latin typeface="Helvetica" pitchFamily="2" charset="0"/>
-              </a:rPr>
-              <a:t>F_onewayResult</a:t>
-            </a:r>
-            <a:r>
-              <a:rPr lang="en-US" sz="1000" dirty="0">
-                <a:latin typeface="Helvetica" pitchFamily="2" charset="0"/>
-              </a:rPr>
-              <a:t>)</a:t>
-            </a:r>
-          </a:p>
-          <a:p>
-            <a:r>
-              <a:rPr lang="en-US" sz="1000" dirty="0">
-                <a:latin typeface="Helvetica" pitchFamily="2" charset="0"/>
-              </a:rPr>
-              <a:t>if </a:t>
-            </a:r>
-            <a:r>
-              <a:rPr lang="en-US" sz="1000" dirty="0" err="1">
-                <a:latin typeface="Helvetica" pitchFamily="2" charset="0"/>
-              </a:rPr>
-              <a:t>F_onewayResult.pvalue</a:t>
-            </a:r>
-            <a:r>
-              <a:rPr lang="en-US" sz="1000" dirty="0">
-                <a:latin typeface="Helvetica" pitchFamily="2" charset="0"/>
-              </a:rPr>
-              <a:t> &lt; 0.05:</a:t>
-            </a:r>
-          </a:p>
-          <a:p>
-            <a:r>
-              <a:rPr lang="en-US" sz="1000" dirty="0">
-                <a:latin typeface="Helvetica" pitchFamily="2" charset="0"/>
-              </a:rPr>
-              <a:t>    print(</a:t>
-            </a:r>
-            <a:r>
-              <a:rPr lang="en-US" sz="1000" dirty="0" err="1">
-                <a:latin typeface="Helvetica" pitchFamily="2" charset="0"/>
-              </a:rPr>
-              <a:t>f'p</a:t>
-            </a:r>
-            <a:r>
-              <a:rPr lang="en-US" sz="1000" dirty="0">
-                <a:latin typeface="Helvetica" pitchFamily="2" charset="0"/>
-              </a:rPr>
-              <a:t> &lt; 0.05, can reject the null hypothesis that the sample means are equal')</a:t>
-            </a:r>
-          </a:p>
-          <a:p>
-            <a:r>
-              <a:rPr lang="en-US" sz="1000" dirty="0">
-                <a:latin typeface="Helvetica" pitchFamily="2" charset="0"/>
-              </a:rPr>
-              <a:t>else:</a:t>
-            </a:r>
-          </a:p>
-          <a:p>
-            <a:r>
-              <a:rPr lang="en-US" sz="1000" dirty="0">
-                <a:latin typeface="Helvetica" pitchFamily="2" charset="0"/>
-              </a:rPr>
-              <a:t>    print(</a:t>
-            </a:r>
-            <a:r>
-              <a:rPr lang="en-US" sz="1000" dirty="0" err="1">
-                <a:latin typeface="Helvetica" pitchFamily="2" charset="0"/>
-              </a:rPr>
-              <a:t>f'p</a:t>
-            </a:r>
-            <a:r>
-              <a:rPr lang="en-US" sz="1000" dirty="0">
-                <a:latin typeface="Helvetica" pitchFamily="2" charset="0"/>
-              </a:rPr>
-              <a:t> &gt;= 0.05, cannot reject the null hypothesis that the sample means are equal')</a:t>
-            </a:r>
           </a:p>
         </p:txBody>
       </p:sp>
@@ -1143,220 +601,6 @@
           <a:bodyPr/>
           <a:lstStyle/>
           <a:p>
-            <a:r>
-              <a:rPr lang="en-US" dirty="0"/>
-              <a:t>PLOT</a:t>
-            </a:r>
-          </a:p>
-          <a:p>
-            <a:r>
-              <a:rPr lang="en-US" dirty="0" err="1"/>
-              <a:t>total_deaths_by_age_group_and_y</a:t>
-            </a:r>
-            <a:r>
-              <a:rPr lang="en-US" dirty="0"/>
-              <a:t> = </a:t>
-            </a:r>
-            <a:r>
-              <a:rPr lang="en-US" dirty="0" err="1"/>
-              <a:t>finalDf_with_census.groupby</a:t>
-            </a:r>
-            <a:r>
-              <a:rPr lang="en-US" dirty="0"/>
-              <a:t>(['</a:t>
-            </a:r>
-            <a:r>
-              <a:rPr lang="en-US" dirty="0" err="1"/>
-              <a:t>Age_group</a:t>
-            </a:r>
-            <a:r>
-              <a:rPr lang="en-US" dirty="0"/>
-              <a:t>', '</a:t>
-            </a:r>
-            <a:r>
-              <a:rPr lang="en-US" dirty="0" err="1"/>
-              <a:t>current_data_year</a:t>
-            </a:r>
-            <a:r>
-              <a:rPr lang="en-US" dirty="0"/>
-              <a:t>']).size().</a:t>
-            </a:r>
-            <a:r>
-              <a:rPr lang="en-US" dirty="0" err="1"/>
-              <a:t>reset_index</a:t>
-            </a:r>
-            <a:r>
-              <a:rPr lang="en-US" dirty="0"/>
-              <a:t>(name='counts')</a:t>
-            </a:r>
-          </a:p>
-          <a:p>
-            <a:endParaRPr lang="en-US" dirty="0"/>
-          </a:p>
-          <a:p>
-            <a:r>
-              <a:rPr lang="en-US" dirty="0"/>
-              <a:t>ax = </a:t>
-            </a:r>
-            <a:r>
-              <a:rPr lang="en-US" dirty="0" err="1"/>
-              <a:t>sns.boxplot</a:t>
-            </a:r>
-            <a:r>
-              <a:rPr lang="en-US" dirty="0"/>
-              <a:t>(x="</a:t>
-            </a:r>
-            <a:r>
-              <a:rPr lang="en-US" dirty="0" err="1"/>
-              <a:t>Age_group</a:t>
-            </a:r>
-            <a:r>
-              <a:rPr lang="en-US" dirty="0"/>
-              <a:t>", y='counts', data=</a:t>
-            </a:r>
-            <a:r>
-              <a:rPr lang="en-US" dirty="0" err="1"/>
-              <a:t>total_deaths_by_age_group_and_y</a:t>
-            </a:r>
-            <a:r>
-              <a:rPr lang="en-US" dirty="0"/>
-              <a:t>)</a:t>
-            </a:r>
-          </a:p>
-          <a:p>
-            <a:r>
-              <a:rPr lang="en-US" dirty="0" err="1"/>
-              <a:t>ax.set_xticklabels</a:t>
-            </a:r>
-            <a:r>
-              <a:rPr lang="en-US" dirty="0"/>
-              <a:t>(</a:t>
-            </a:r>
-            <a:r>
-              <a:rPr lang="en-US" dirty="0" err="1"/>
-              <a:t>ax.get_xticklabels</a:t>
-            </a:r>
-            <a:r>
-              <a:rPr lang="en-US" dirty="0"/>
-              <a:t>())</a:t>
-            </a:r>
-          </a:p>
-          <a:p>
-            <a:r>
-              <a:rPr lang="en-US" dirty="0" err="1"/>
-              <a:t>ax.set_title</a:t>
-            </a:r>
-            <a:r>
-              <a:rPr lang="en-US" dirty="0"/>
-              <a:t>("Total Motor Vehicle Deaths by Age Group (2005-2015)")</a:t>
-            </a:r>
-          </a:p>
-          <a:p>
-            <a:r>
-              <a:rPr lang="en-US" dirty="0" err="1"/>
-              <a:t>ax.set</a:t>
-            </a:r>
-            <a:r>
-              <a:rPr lang="en-US" dirty="0"/>
-              <a:t>(</a:t>
-            </a:r>
-            <a:r>
-              <a:rPr lang="en-US" dirty="0" err="1"/>
-              <a:t>xlabel</a:t>
-            </a:r>
-            <a:r>
-              <a:rPr lang="en-US" dirty="0"/>
-              <a:t>='Age Group (years)', </a:t>
-            </a:r>
-            <a:r>
-              <a:rPr lang="en-US" dirty="0" err="1"/>
-              <a:t>ylabel</a:t>
-            </a:r>
-            <a:r>
-              <a:rPr lang="en-US" dirty="0"/>
-              <a:t>='Counts')</a:t>
-            </a:r>
-          </a:p>
-          <a:p>
-            <a:r>
-              <a:rPr lang="en-US" dirty="0" err="1"/>
-              <a:t>plt.xticks</a:t>
-            </a:r>
-            <a:r>
-              <a:rPr lang="en-US" dirty="0"/>
-              <a:t>([0, 1, 2, 3, 4, 5, 6, 7, 8, 9, 10, 11, 12, 13, 14, 15, 16, 17], </a:t>
-            </a:r>
-          </a:p>
-          <a:p>
-            <a:r>
-              <a:rPr lang="en-US" dirty="0"/>
-              <a:t>           ['0-4', '5-9', '10-14','15-19','20-24','25-29','30-34','35-39','40-44',</a:t>
-            </a:r>
-          </a:p>
-          <a:p>
-            <a:r>
-              <a:rPr lang="en-US" dirty="0"/>
-              <a:t>            '45-49','50-54','55-59','60-64','65-69','70-74','75-79','80-84','85 and over'])</a:t>
-            </a:r>
-          </a:p>
-          <a:p>
-            <a:r>
-              <a:rPr lang="en-US" dirty="0" err="1"/>
-              <a:t>ax.set_xticklabels</a:t>
-            </a:r>
-            <a:r>
-              <a:rPr lang="en-US" dirty="0"/>
-              <a:t>(</a:t>
-            </a:r>
-            <a:r>
-              <a:rPr lang="en-US" dirty="0" err="1"/>
-              <a:t>ax.get_xticklabels</a:t>
-            </a:r>
-            <a:r>
-              <a:rPr lang="en-US" dirty="0"/>
-              <a:t>(), rotation=45, </a:t>
-            </a:r>
-            <a:r>
-              <a:rPr lang="en-US" dirty="0" err="1"/>
-              <a:t>horizontalalignment</a:t>
-            </a:r>
-            <a:r>
-              <a:rPr lang="en-US" dirty="0"/>
-              <a:t>='center')</a:t>
-            </a:r>
-          </a:p>
-          <a:p>
-            <a:r>
-              <a:rPr lang="en-US" dirty="0" err="1"/>
-              <a:t>plt.subplots_adjust</a:t>
-            </a:r>
-            <a:r>
-              <a:rPr lang="en-US" dirty="0"/>
-              <a:t>(bottom=0.3)</a:t>
-            </a:r>
-          </a:p>
-          <a:p>
-            <a:r>
-              <a:rPr lang="en-US" dirty="0" err="1"/>
-              <a:t>plt.savefig</a:t>
-            </a:r>
-            <a:r>
-              <a:rPr lang="en-US" dirty="0"/>
-              <a:t>('</a:t>
-            </a:r>
-            <a:r>
-              <a:rPr lang="en-US" dirty="0" err="1"/>
-              <a:t>Deaths_by_age_group.pdf</a:t>
-            </a:r>
-            <a:r>
-              <a:rPr lang="en-US" dirty="0"/>
-              <a:t>')</a:t>
-            </a:r>
-          </a:p>
-          <a:p>
-            <a:endParaRPr lang="en-US" dirty="0"/>
-          </a:p>
-          <a:p>
             <a:endParaRPr lang="en-US" dirty="0"/>
           </a:p>
         </p:txBody>
@@ -1441,190 +685,7 @@
           <a:bodyPr/>
           <a:lstStyle/>
           <a:p>
-            <a:r>
-              <a:rPr lang="en-US" dirty="0"/>
-              <a:t>ax = </a:t>
-            </a:r>
-            <a:r>
-              <a:rPr lang="en-US" dirty="0" err="1"/>
-              <a:t>sns.boxplot</a:t>
-            </a:r>
-            <a:r>
-              <a:rPr lang="en-US" dirty="0"/>
-              <a:t>(x = '</a:t>
-            </a:r>
-            <a:r>
-              <a:rPr lang="en-US" dirty="0" err="1"/>
-              <a:t>Age_group</a:t>
-            </a:r>
-            <a:r>
-              <a:rPr lang="en-US" dirty="0"/>
-              <a:t>', y = '</a:t>
-            </a:r>
-            <a:r>
-              <a:rPr lang="en-US" dirty="0" err="1"/>
-              <a:t>Both_sexes</a:t>
-            </a:r>
-            <a:r>
-              <a:rPr lang="en-US" dirty="0"/>
-              <a:t>', data = </a:t>
-            </a:r>
-            <a:r>
-              <a:rPr lang="en-US" dirty="0" err="1"/>
-              <a:t>census_summary_df</a:t>
-            </a:r>
-            <a:r>
-              <a:rPr lang="en-US" dirty="0"/>
-              <a:t>)</a:t>
-            </a:r>
-          </a:p>
-          <a:p>
-            <a:r>
-              <a:rPr lang="en-US" dirty="0" err="1"/>
-              <a:t>ax.set_title</a:t>
-            </a:r>
-            <a:r>
-              <a:rPr lang="en-US" dirty="0"/>
-              <a:t>("US Population by Age Group (2010-2019): Both sexes", y=1.05)</a:t>
-            </a:r>
-          </a:p>
-          <a:p>
-            <a:r>
-              <a:rPr lang="en-US" dirty="0" err="1"/>
-              <a:t>plt.xticks</a:t>
-            </a:r>
-            <a:r>
-              <a:rPr lang="en-US" dirty="0"/>
-              <a:t>([0, 1, 2, 3, 4, 5, 6, 7, 8, 9, 10, 11, 12, 13, 14, 15, 16, 17], </a:t>
-            </a:r>
-          </a:p>
-          <a:p>
-            <a:r>
-              <a:rPr lang="en-US" dirty="0"/>
-              <a:t>           ['0-4', '5-9', '10-14','15-19','20-24','25-29','30-34','35-39','40-44',</a:t>
-            </a:r>
-          </a:p>
-          <a:p>
-            <a:r>
-              <a:rPr lang="en-US" dirty="0"/>
-              <a:t>            '45-49','50-54','55-59','60-64','65-69','70-74','75-79','80-84','85 and over'])</a:t>
-            </a:r>
-          </a:p>
-          <a:p>
-            <a:r>
-              <a:rPr lang="en-US" dirty="0" err="1"/>
-              <a:t>ax.set_xticklabels</a:t>
-            </a:r>
-            <a:r>
-              <a:rPr lang="en-US" dirty="0"/>
-              <a:t>(</a:t>
-            </a:r>
-            <a:r>
-              <a:rPr lang="en-US" dirty="0" err="1"/>
-              <a:t>ax.get_xticklabels</a:t>
-            </a:r>
-            <a:r>
-              <a:rPr lang="en-US" dirty="0"/>
-              <a:t>(), rotation=45, </a:t>
-            </a:r>
-            <a:r>
-              <a:rPr lang="en-US" dirty="0" err="1"/>
-              <a:t>horizontalalignment</a:t>
-            </a:r>
-            <a:r>
-              <a:rPr lang="en-US" dirty="0"/>
-              <a:t>='center')</a:t>
-            </a:r>
-          </a:p>
-          <a:p>
-            <a:r>
-              <a:rPr lang="en-US" dirty="0" err="1"/>
-              <a:t>ax.set</a:t>
-            </a:r>
-            <a:r>
-              <a:rPr lang="en-US" dirty="0"/>
-              <a:t>(</a:t>
-            </a:r>
-            <a:r>
-              <a:rPr lang="en-US" dirty="0" err="1"/>
-              <a:t>xlabel</a:t>
-            </a:r>
-            <a:r>
-              <a:rPr lang="en-US" dirty="0"/>
-              <a:t>='Age Group', </a:t>
-            </a:r>
-            <a:r>
-              <a:rPr lang="en-US" dirty="0" err="1"/>
-              <a:t>ylabel</a:t>
-            </a:r>
-            <a:r>
-              <a:rPr lang="en-US" dirty="0"/>
-              <a:t>='Population')</a:t>
-            </a:r>
-          </a:p>
-          <a:p>
-            <a:r>
-              <a:rPr lang="en-US" dirty="0" err="1"/>
-              <a:t>ax.set</a:t>
-            </a:r>
-            <a:r>
-              <a:rPr lang="en-US" dirty="0"/>
-              <a:t>(</a:t>
-            </a:r>
-            <a:r>
-              <a:rPr lang="en-US" dirty="0" err="1"/>
-              <a:t>ylim</a:t>
-            </a:r>
-            <a:r>
-              <a:rPr lang="en-US" dirty="0"/>
-              <a:t>=(0, 2.4e7))</a:t>
-            </a:r>
-          </a:p>
-          <a:p>
-            <a:r>
-              <a:rPr lang="en-US" dirty="0" err="1"/>
-              <a:t>plt.subplots_adjust</a:t>
-            </a:r>
-            <a:r>
-              <a:rPr lang="en-US" dirty="0"/>
-              <a:t>(bottom=0.28)</a:t>
-            </a:r>
-          </a:p>
-          <a:p>
-            <a:r>
-              <a:rPr lang="en-US" dirty="0" err="1"/>
-              <a:t>sns.set</a:t>
-            </a:r>
-            <a:r>
-              <a:rPr lang="en-US" dirty="0"/>
-              <a:t>(</a:t>
-            </a:r>
-            <a:r>
-              <a:rPr lang="en-US" dirty="0" err="1"/>
-              <a:t>font_scale</a:t>
-            </a:r>
-            <a:r>
-              <a:rPr lang="en-US" dirty="0"/>
-              <a:t>=1) </a:t>
-            </a:r>
-          </a:p>
-          <a:p>
-            <a:r>
-              <a:rPr lang="en-US" dirty="0" err="1"/>
-              <a:t>plt.savefig</a:t>
-            </a:r>
-            <a:r>
-              <a:rPr lang="en-US" dirty="0"/>
-              <a:t>('</a:t>
-            </a:r>
-            <a:r>
-              <a:rPr lang="en-US" dirty="0" err="1"/>
-              <a:t>US_pop_by_age_group.pdf</a:t>
-            </a:r>
-            <a:r>
-              <a:rPr lang="en-US" dirty="0"/>
-              <a:t>')</a:t>
-            </a:r>
+            <a:endParaRPr lang="en-US" dirty="0"/>
           </a:p>
         </p:txBody>
       </p:sp>
@@ -1708,189 +769,7 @@
           <a:bodyPr/>
           <a:lstStyle/>
           <a:p>
-            <a:r>
-              <a:rPr lang="en-US" dirty="0"/>
-              <a:t>PLOT</a:t>
-            </a:r>
-          </a:p>
-          <a:p>
             <a:endParaRPr lang="en-US" dirty="0"/>
-          </a:p>
-          <a:p>
-            <a:r>
-              <a:rPr lang="en-US" dirty="0" err="1"/>
-              <a:t>total_deaths_by_age_group_y_and_day</a:t>
-            </a:r>
-            <a:r>
-              <a:rPr lang="en-US" dirty="0"/>
-              <a:t>['Age range'] = </a:t>
-            </a:r>
-            <a:r>
-              <a:rPr lang="en-US" dirty="0" err="1"/>
-              <a:t>total_deaths_by_age_group_y_and_day</a:t>
-            </a:r>
-            <a:r>
-              <a:rPr lang="en-US" dirty="0"/>
-              <a:t>['</a:t>
-            </a:r>
-            <a:r>
-              <a:rPr lang="en-US" dirty="0" err="1"/>
-              <a:t>Age_group</a:t>
-            </a:r>
-            <a:r>
-              <a:rPr lang="en-US" dirty="0"/>
-              <a:t>'].replace({1:'0-4', 2:'5-9', 3:'10-14', 4:'15-19', 5:'20-24', 6:'25-29', 7:'30-34', 8:'35-39', 9:'40-44',10:'45-49',11:'50-54', 12:'55-59' , 13:'60-64', 14:'65-69', 15:'70-74', 16:'75-79', 17:'80-84', 18:'85 and over'})</a:t>
-            </a:r>
-          </a:p>
-          <a:p>
-            <a:endParaRPr lang="en-US" dirty="0"/>
-          </a:p>
-          <a:p>
-            <a:r>
-              <a:rPr lang="en-US" dirty="0"/>
-              <a:t>ax = </a:t>
-            </a:r>
-            <a:r>
-              <a:rPr lang="en-US" dirty="0" err="1"/>
-              <a:t>sns.catplot</a:t>
-            </a:r>
-            <a:r>
-              <a:rPr lang="en-US" dirty="0"/>
-              <a:t>(x="</a:t>
-            </a:r>
-            <a:r>
-              <a:rPr lang="en-US" dirty="0" err="1"/>
-              <a:t>day_of_week_of_death</a:t>
-            </a:r>
-            <a:r>
-              <a:rPr lang="en-US" dirty="0"/>
-              <a:t>", y="counts",</a:t>
-            </a:r>
-          </a:p>
-          <a:p>
-            <a:r>
-              <a:rPr lang="en-US" dirty="0"/>
-              <a:t>                col="Age range", </a:t>
-            </a:r>
-            <a:r>
-              <a:rPr lang="en-US" dirty="0" err="1"/>
-              <a:t>col_wrap</a:t>
-            </a:r>
-            <a:r>
-              <a:rPr lang="en-US" dirty="0"/>
-              <a:t>=6,</a:t>
-            </a:r>
-          </a:p>
-          <a:p>
-            <a:r>
-              <a:rPr lang="en-US" dirty="0"/>
-              <a:t>                data=</a:t>
-            </a:r>
-            <a:r>
-              <a:rPr lang="en-US" dirty="0" err="1"/>
-              <a:t>total_deaths_by_age_group_y_and_day</a:t>
-            </a:r>
-            <a:r>
-              <a:rPr lang="en-US" dirty="0"/>
-              <a:t>, kind="box",</a:t>
-            </a:r>
-          </a:p>
-          <a:p>
-            <a:r>
-              <a:rPr lang="en-US" dirty="0"/>
-              <a:t>                height=4, aspect=.7);</a:t>
-            </a:r>
-          </a:p>
-          <a:p>
-            <a:r>
-              <a:rPr lang="en-US" dirty="0" err="1"/>
-              <a:t>ax.set_axis_labels</a:t>
-            </a:r>
-            <a:r>
-              <a:rPr lang="en-US" dirty="0"/>
-              <a:t>("", "Counts")</a:t>
-            </a:r>
-          </a:p>
-          <a:p>
-            <a:r>
-              <a:rPr lang="en-US" dirty="0" err="1"/>
-              <a:t>ax.set_xticklabels</a:t>
-            </a:r>
-            <a:r>
-              <a:rPr lang="en-US" dirty="0"/>
-              <a:t>(rotation=45, </a:t>
-            </a:r>
-            <a:r>
-              <a:rPr lang="en-US" dirty="0" err="1"/>
-              <a:t>horizontalalignment</a:t>
-            </a:r>
-            <a:r>
-              <a:rPr lang="en-US" dirty="0"/>
-              <a:t>='right')</a:t>
-            </a:r>
-          </a:p>
-          <a:p>
-            <a:r>
-              <a:rPr lang="en-US" dirty="0" err="1"/>
-              <a:t>plt.subplots_adjust</a:t>
-            </a:r>
-            <a:r>
-              <a:rPr lang="en-US" dirty="0"/>
-              <a:t>(top=0.92)</a:t>
-            </a:r>
-          </a:p>
-          <a:p>
-            <a:r>
-              <a:rPr lang="en-US" dirty="0" err="1"/>
-              <a:t>ax.fig.suptitle</a:t>
-            </a:r>
-            <a:r>
-              <a:rPr lang="en-US" dirty="0"/>
-              <a:t>('Total Motor Vehicle Deaths by Age Group and Day of Week of Death (2005-2015)') </a:t>
-            </a:r>
-          </a:p>
-          <a:p>
-            <a:r>
-              <a:rPr lang="en-US" dirty="0" err="1"/>
-              <a:t>plt.savefig</a:t>
-            </a:r>
-            <a:r>
-              <a:rPr lang="en-US" dirty="0"/>
-              <a:t>('</a:t>
-            </a:r>
-            <a:r>
-              <a:rPr lang="en-US" dirty="0" err="1"/>
-              <a:t>Deaths_by_age_group_and_day_of_week.pdf</a:t>
-            </a:r>
-            <a:r>
-              <a:rPr lang="en-US" dirty="0"/>
-              <a:t>')</a:t>
-            </a:r>
-          </a:p>
-          <a:p>
-            <a:endParaRPr lang="en-US" dirty="0"/>
-          </a:p>
-          <a:p>
-            <a:r>
-              <a:rPr lang="en-US" dirty="0"/>
-              <a:t>#https://</a:t>
-            </a:r>
-            <a:r>
-              <a:rPr lang="en-US" dirty="0" err="1"/>
-              <a:t>stackoverflow.com</a:t>
-            </a:r>
-            <a:r>
-              <a:rPr lang="en-US" dirty="0"/>
-              <a:t>/questions/43920341/python-seaborn-</a:t>
-            </a:r>
-            <a:r>
-              <a:rPr lang="en-US" dirty="0" err="1"/>
-              <a:t>facetgrid</a:t>
-            </a:r>
-            <a:r>
-              <a:rPr lang="en-US" dirty="0"/>
-              <a:t>-change-titles</a:t>
-            </a:r>
           </a:p>
         </p:txBody>
       </p:sp>
@@ -1974,80 +853,7 @@
           <a:bodyPr/>
           <a:lstStyle/>
           <a:p>
-            <a:r>
-              <a:rPr lang="en-US" dirty="0"/>
-              <a:t>(most of the work here was rearranging the data to do the test, not shown)</a:t>
-            </a:r>
-          </a:p>
-          <a:p>
             <a:endParaRPr lang="en-US" dirty="0"/>
-          </a:p>
-          <a:p>
-            <a:r>
-              <a:rPr lang="en-US" dirty="0"/>
-              <a:t>Example of code for test and output:</a:t>
-            </a:r>
-          </a:p>
-          <a:p>
-            <a:endParaRPr lang="en-US" dirty="0"/>
-          </a:p>
-          <a:p>
-            <a:r>
-              <a:rPr lang="en-US" dirty="0"/>
-              <a:t>stat, p_agroup1 = </a:t>
-            </a:r>
-            <a:r>
-              <a:rPr lang="en-US" dirty="0" err="1"/>
-              <a:t>levene</a:t>
-            </a:r>
-            <a:r>
-              <a:rPr lang="en-US" dirty="0"/>
-              <a:t>(Age_group_1_Mon, Age_group_1_Tue, Age_group_1_Wed, Age_group_1_Thu, Age_group_1_Fri, Age_group_1_Sat, Age_group_1_Sun)</a:t>
-            </a:r>
-          </a:p>
-          <a:p>
-            <a:endParaRPr lang="en-US" dirty="0"/>
-          </a:p>
-          <a:p>
-            <a:r>
-              <a:rPr lang="en-US" dirty="0"/>
-              <a:t>print(f'Age_group_1 </a:t>
-            </a:r>
-            <a:r>
-              <a:rPr lang="en-US" dirty="0" err="1"/>
-              <a:t>Levene</a:t>
-            </a:r>
-            <a:r>
-              <a:rPr lang="en-US" dirty="0"/>
-              <a:t> test p-value {p_agroup1}')</a:t>
-            </a:r>
-          </a:p>
-          <a:p>
-            <a:endParaRPr lang="en-US" dirty="0"/>
-          </a:p>
-          <a:p>
-            <a:r>
-              <a:rPr lang="en-US" dirty="0"/>
-              <a:t>if p_agroup1&lt;0.05:</a:t>
-            </a:r>
-          </a:p>
-          <a:p>
-            <a:r>
-              <a:rPr lang="en-US" dirty="0"/>
-              <a:t>    print(f'   p &lt; 0.05, sample variances too dissimilar for ANOVA')</a:t>
-            </a:r>
-          </a:p>
-          <a:p>
-            <a:r>
-              <a:rPr lang="en-US" dirty="0"/>
-              <a:t>else:</a:t>
-            </a:r>
-          </a:p>
-          <a:p>
-            <a:r>
-              <a:rPr lang="en-US" dirty="0"/>
-              <a:t>    print(f'   p &gt;= 0.05, sample variances similar enough for ANOVA')</a:t>
-            </a:r>
           </a:p>
         </p:txBody>
       </p:sp>
@@ -2218,7 +1024,7 @@
           <a:p>
             <a:fld id="{99C0C91A-9D53-894B-B206-73C6F6EEA89B}" type="datetimeFigureOut">
               <a:rPr lang="en-US" smtClean="0"/>
-              <a:t>7/30/20</a:t>
+              <a:t>7/31/20</a:t>
             </a:fld>
             <a:endParaRPr lang="en-US"/>
           </a:p>
@@ -2388,7 +1194,7 @@
           <a:p>
             <a:fld id="{99C0C91A-9D53-894B-B206-73C6F6EEA89B}" type="datetimeFigureOut">
               <a:rPr lang="en-US" smtClean="0"/>
-              <a:t>7/30/20</a:t>
+              <a:t>7/31/20</a:t>
             </a:fld>
             <a:endParaRPr lang="en-US"/>
           </a:p>
@@ -2568,7 +1374,7 @@
           <a:p>
             <a:fld id="{99C0C91A-9D53-894B-B206-73C6F6EEA89B}" type="datetimeFigureOut">
               <a:rPr lang="en-US" smtClean="0"/>
-              <a:t>7/30/20</a:t>
+              <a:t>7/31/20</a:t>
             </a:fld>
             <a:endParaRPr lang="en-US"/>
           </a:p>
@@ -2738,7 +1544,7 @@
           <a:p>
             <a:fld id="{99C0C91A-9D53-894B-B206-73C6F6EEA89B}" type="datetimeFigureOut">
               <a:rPr lang="en-US" smtClean="0"/>
-              <a:t>7/30/20</a:t>
+              <a:t>7/31/20</a:t>
             </a:fld>
             <a:endParaRPr lang="en-US"/>
           </a:p>
@@ -2982,7 +1788,7 @@
           <a:p>
             <a:fld id="{99C0C91A-9D53-894B-B206-73C6F6EEA89B}" type="datetimeFigureOut">
               <a:rPr lang="en-US" smtClean="0"/>
-              <a:t>7/30/20</a:t>
+              <a:t>7/31/20</a:t>
             </a:fld>
             <a:endParaRPr lang="en-US"/>
           </a:p>
@@ -3214,7 +2020,7 @@
           <a:p>
             <a:fld id="{99C0C91A-9D53-894B-B206-73C6F6EEA89B}" type="datetimeFigureOut">
               <a:rPr lang="en-US" smtClean="0"/>
-              <a:t>7/30/20</a:t>
+              <a:t>7/31/20</a:t>
             </a:fld>
             <a:endParaRPr lang="en-US"/>
           </a:p>
@@ -3581,7 +2387,7 @@
           <a:p>
             <a:fld id="{99C0C91A-9D53-894B-B206-73C6F6EEA89B}" type="datetimeFigureOut">
               <a:rPr lang="en-US" smtClean="0"/>
-              <a:t>7/30/20</a:t>
+              <a:t>7/31/20</a:t>
             </a:fld>
             <a:endParaRPr lang="en-US"/>
           </a:p>
@@ -3699,7 +2505,7 @@
           <a:p>
             <a:fld id="{99C0C91A-9D53-894B-B206-73C6F6EEA89B}" type="datetimeFigureOut">
               <a:rPr lang="en-US" smtClean="0"/>
-              <a:t>7/30/20</a:t>
+              <a:t>7/31/20</a:t>
             </a:fld>
             <a:endParaRPr lang="en-US"/>
           </a:p>
@@ -3794,7 +2600,7 @@
           <a:p>
             <a:fld id="{99C0C91A-9D53-894B-B206-73C6F6EEA89B}" type="datetimeFigureOut">
               <a:rPr lang="en-US" smtClean="0"/>
-              <a:t>7/30/20</a:t>
+              <a:t>7/31/20</a:t>
             </a:fld>
             <a:endParaRPr lang="en-US"/>
           </a:p>
@@ -4071,7 +2877,7 @@
           <a:p>
             <a:fld id="{99C0C91A-9D53-894B-B206-73C6F6EEA89B}" type="datetimeFigureOut">
               <a:rPr lang="en-US" smtClean="0"/>
-              <a:t>7/30/20</a:t>
+              <a:t>7/31/20</a:t>
             </a:fld>
             <a:endParaRPr lang="en-US"/>
           </a:p>
@@ -4328,7 +3134,7 @@
           <a:p>
             <a:fld id="{99C0C91A-9D53-894B-B206-73C6F6EEA89B}" type="datetimeFigureOut">
               <a:rPr lang="en-US" smtClean="0"/>
-              <a:t>7/30/20</a:t>
+              <a:t>7/31/20</a:t>
             </a:fld>
             <a:endParaRPr lang="en-US"/>
           </a:p>
@@ -4541,7 +3347,7 @@
           <a:p>
             <a:fld id="{99C0C91A-9D53-894B-B206-73C6F6EEA89B}" type="datetimeFigureOut">
               <a:rPr lang="en-US" smtClean="0"/>
-              <a:t>7/30/20</a:t>
+              <a:t>7/31/20</a:t>
             </a:fld>
             <a:endParaRPr lang="en-US"/>
           </a:p>
@@ -4946,6 +3752,524 @@
           <a:chExt cx="0" cy="0"/>
         </a:xfrm>
       </p:grpSpPr>
+      <p:pic>
+        <p:nvPicPr>
+          <p:cNvPr id="1038" name="Picture 14">
+            <a:extLst>
+              <a:ext uri="{FF2B5EF4-FFF2-40B4-BE49-F238E27FC236}">
+                <a16:creationId xmlns:a16="http://schemas.microsoft.com/office/drawing/2014/main" id="{6F86EE58-E862-6C47-B5FF-7FCCACB5CC5E}"/>
+              </a:ext>
+            </a:extLst>
+          </p:cNvPr>
+          <p:cNvPicPr>
+            <a:picLocks noChangeAspect="1" noChangeArrowheads="1"/>
+          </p:cNvPicPr>
+          <p:nvPr/>
+        </p:nvPicPr>
+        <p:blipFill>
+          <a:blip r:embed="rId2">
+            <a:extLst>
+              <a:ext uri="{28A0092B-C50C-407E-A947-70E740481C1C}">
+                <a14:useLocalDpi xmlns:a14="http://schemas.microsoft.com/office/drawing/2010/main" val="0"/>
+              </a:ext>
+            </a:extLst>
+          </a:blip>
+          <a:srcRect/>
+          <a:stretch>
+            <a:fillRect/>
+          </a:stretch>
+        </p:blipFill>
+        <p:spPr bwMode="auto">
+          <a:xfrm>
+            <a:off x="4393694" y="4734339"/>
+            <a:ext cx="2121894" cy="2118462"/>
+          </a:xfrm>
+          <a:prstGeom prst="rect">
+            <a:avLst/>
+          </a:prstGeom>
+          <a:noFill/>
+          <a:extLst>
+            <a:ext uri="{909E8E84-426E-40DD-AFC4-6F175D3DCCD1}">
+              <a14:hiddenFill xmlns:a14="http://schemas.microsoft.com/office/drawing/2010/main">
+                <a:solidFill>
+                  <a:srgbClr val="FFFFFF"/>
+                </a:solidFill>
+              </a14:hiddenFill>
+            </a:ext>
+          </a:extLst>
+        </p:spPr>
+      </p:pic>
+      <p:sp>
+        <p:nvSpPr>
+          <p:cNvPr id="2" name="TextBox 1">
+            <a:extLst>
+              <a:ext uri="{FF2B5EF4-FFF2-40B4-BE49-F238E27FC236}">
+                <a16:creationId xmlns:a16="http://schemas.microsoft.com/office/drawing/2014/main" id="{6AA929AD-6A64-7048-B68C-4D4231143C60}"/>
+              </a:ext>
+            </a:extLst>
+          </p:cNvPr>
+          <p:cNvSpPr txBox="1"/>
+          <p:nvPr/>
+        </p:nvSpPr>
+        <p:spPr>
+          <a:xfrm>
+            <a:off x="691375" y="657921"/>
+            <a:ext cx="7817005" cy="3046988"/>
+          </a:xfrm>
+          <a:prstGeom prst="rect">
+            <a:avLst/>
+          </a:prstGeom>
+          <a:noFill/>
+        </p:spPr>
+        <p:txBody>
+          <a:bodyPr wrap="square" rtlCol="0">
+            <a:spAutoFit/>
+          </a:bodyPr>
+          <a:lstStyle/>
+          <a:p>
+            <a:r>
+              <a:rPr lang="en-US" sz="1600" dirty="0">
+                <a:latin typeface="Helvetica" pitchFamily="2" charset="0"/>
+              </a:rPr>
+              <a:t>Is there an interaction between age and day of week for motor vehicle deaths?</a:t>
+            </a:r>
+          </a:p>
+          <a:p>
+            <a:endParaRPr lang="en-US" sz="1600" dirty="0">
+              <a:latin typeface="Helvetica" pitchFamily="2" charset="0"/>
+            </a:endParaRPr>
+          </a:p>
+          <a:p>
+            <a:r>
+              <a:rPr lang="en-US" sz="1600" dirty="0">
+                <a:latin typeface="Helvetica" pitchFamily="2" charset="0"/>
+              </a:rPr>
+              <a:t>Specifically: </a:t>
+            </a:r>
+          </a:p>
+          <a:p>
+            <a:r>
+              <a:rPr lang="en-US" sz="1600" dirty="0">
+                <a:latin typeface="Helvetica" pitchFamily="2" charset="0"/>
+              </a:rPr>
+              <a:t>	</a:t>
+            </a:r>
+          </a:p>
+          <a:p>
+            <a:r>
+              <a:rPr lang="en-US" sz="1600" dirty="0">
+                <a:latin typeface="Helvetica" pitchFamily="2" charset="0"/>
+              </a:rPr>
+              <a:t>	</a:t>
+            </a:r>
+            <a:r>
+              <a:rPr lang="en-US" sz="1600" b="1" dirty="0">
+                <a:latin typeface="Helvetica" pitchFamily="2" charset="0"/>
+              </a:rPr>
+              <a:t>Do younger people show a stronger tendency toward weekend fatalities?</a:t>
+            </a:r>
+          </a:p>
+          <a:p>
+            <a:endParaRPr lang="en-US" sz="1600" dirty="0">
+              <a:latin typeface="Helvetica" pitchFamily="2" charset="0"/>
+            </a:endParaRPr>
+          </a:p>
+          <a:p>
+            <a:r>
+              <a:rPr lang="en-US" sz="1600" dirty="0">
+                <a:latin typeface="Helvetica" pitchFamily="2" charset="0"/>
+              </a:rPr>
+              <a:t>H</a:t>
+            </a:r>
+            <a:r>
+              <a:rPr lang="en-US" sz="1600" baseline="-25000" dirty="0">
+                <a:latin typeface="Helvetica" pitchFamily="2" charset="0"/>
+              </a:rPr>
+              <a:t>0</a:t>
+            </a:r>
+            <a:r>
+              <a:rPr lang="en-US" sz="1600" dirty="0">
+                <a:latin typeface="Helvetica" pitchFamily="2" charset="0"/>
+              </a:rPr>
+              <a:t> in all cases is that there is no effect (whether of age, day of week, or both)</a:t>
+            </a:r>
+          </a:p>
+          <a:p>
+            <a:endParaRPr lang="en-US" sz="1600" dirty="0">
+              <a:latin typeface="Helvetica" pitchFamily="2" charset="0"/>
+            </a:endParaRPr>
+          </a:p>
+          <a:p>
+            <a:r>
+              <a:rPr lang="en-US" sz="1600" dirty="0">
+                <a:latin typeface="Helvetica" pitchFamily="2" charset="0"/>
+              </a:rPr>
+              <a:t>Motivation: Popular culture and high school experience</a:t>
+            </a:r>
+          </a:p>
+          <a:p>
+            <a:endParaRPr lang="en-US" sz="1600" dirty="0">
+              <a:latin typeface="Helvetica" pitchFamily="2" charset="0"/>
+            </a:endParaRPr>
+          </a:p>
+          <a:p>
+            <a:endParaRPr lang="en-US" sz="1600" dirty="0">
+              <a:latin typeface="Helvetica" pitchFamily="2" charset="0"/>
+            </a:endParaRPr>
+          </a:p>
+          <a:p>
+            <a:r>
+              <a:rPr lang="en-US" sz="1600" i="1" dirty="0">
+                <a:latin typeface="Helvetica" pitchFamily="2" charset="0"/>
+              </a:rPr>
+              <a:t>There's a Wikipedia page…</a:t>
+            </a:r>
+          </a:p>
+        </p:txBody>
+      </p:sp>
+      <p:sp>
+        <p:nvSpPr>
+          <p:cNvPr id="3" name="Rectangle 2">
+            <a:extLst>
+              <a:ext uri="{FF2B5EF4-FFF2-40B4-BE49-F238E27FC236}">
+                <a16:creationId xmlns:a16="http://schemas.microsoft.com/office/drawing/2014/main" id="{7262E8F3-E7B1-F640-82BD-3E2D17ACB48A}"/>
+              </a:ext>
+            </a:extLst>
+          </p:cNvPr>
+          <p:cNvSpPr/>
+          <p:nvPr/>
+        </p:nvSpPr>
+        <p:spPr>
+          <a:xfrm>
+            <a:off x="5865541" y="6515340"/>
+            <a:ext cx="3278459" cy="246221"/>
+          </a:xfrm>
+          <a:prstGeom prst="rect">
+            <a:avLst/>
+          </a:prstGeom>
+        </p:spPr>
+        <p:txBody>
+          <a:bodyPr wrap="square">
+            <a:spAutoFit/>
+          </a:bodyPr>
+          <a:lstStyle/>
+          <a:p>
+            <a:r>
+              <a:rPr lang="en-US" sz="1000" dirty="0">
+                <a:latin typeface="Helvetica" pitchFamily="2" charset="0"/>
+              </a:rPr>
+              <a:t>(https://</a:t>
+            </a:r>
+            <a:r>
+              <a:rPr lang="en-US" sz="1000" dirty="0" err="1">
+                <a:latin typeface="Helvetica" pitchFamily="2" charset="0"/>
+              </a:rPr>
+              <a:t>en.wikipedia.org</a:t>
+            </a:r>
+            <a:r>
+              <a:rPr lang="en-US" sz="1000" dirty="0">
+                <a:latin typeface="Helvetica" pitchFamily="2" charset="0"/>
+              </a:rPr>
+              <a:t>/wiki/</a:t>
+            </a:r>
+            <a:r>
+              <a:rPr lang="en-US" sz="1000" dirty="0" err="1">
+                <a:latin typeface="Helvetica" pitchFamily="2" charset="0"/>
+              </a:rPr>
+              <a:t>List_of_car_crash_songs</a:t>
+            </a:r>
+            <a:r>
+              <a:rPr lang="en-US" sz="1000" dirty="0">
+                <a:latin typeface="Helvetica" pitchFamily="2" charset="0"/>
+              </a:rPr>
+              <a:t>)</a:t>
+            </a:r>
+            <a:endParaRPr lang="en-US" sz="1000" dirty="0"/>
+          </a:p>
+        </p:txBody>
+      </p:sp>
+      <p:pic>
+        <p:nvPicPr>
+          <p:cNvPr id="1026" name="Picture 2">
+            <a:extLst>
+              <a:ext uri="{FF2B5EF4-FFF2-40B4-BE49-F238E27FC236}">
+                <a16:creationId xmlns:a16="http://schemas.microsoft.com/office/drawing/2014/main" id="{64674AB3-44B4-C547-BF50-B50222FA6477}"/>
+              </a:ext>
+            </a:extLst>
+          </p:cNvPr>
+          <p:cNvPicPr>
+            <a:picLocks noChangeAspect="1" noChangeArrowheads="1"/>
+          </p:cNvPicPr>
+          <p:nvPr/>
+        </p:nvPicPr>
+        <p:blipFill>
+          <a:blip r:embed="rId3">
+            <a:extLst>
+              <a:ext uri="{28A0092B-C50C-407E-A947-70E740481C1C}">
+                <a14:useLocalDpi xmlns:a14="http://schemas.microsoft.com/office/drawing/2010/main" val="0"/>
+              </a:ext>
+            </a:extLst>
+          </a:blip>
+          <a:srcRect/>
+          <a:stretch>
+            <a:fillRect/>
+          </a:stretch>
+        </p:blipFill>
+        <p:spPr bwMode="auto">
+          <a:xfrm>
+            <a:off x="872350" y="3774112"/>
+            <a:ext cx="2113155" cy="2146911"/>
+          </a:xfrm>
+          <a:prstGeom prst="rect">
+            <a:avLst/>
+          </a:prstGeom>
+          <a:noFill/>
+          <a:extLst>
+            <a:ext uri="{909E8E84-426E-40DD-AFC4-6F175D3DCCD1}">
+              <a14:hiddenFill xmlns:a14="http://schemas.microsoft.com/office/drawing/2010/main">
+                <a:solidFill>
+                  <a:srgbClr val="FFFFFF"/>
+                </a:solidFill>
+              </a14:hiddenFill>
+            </a:ext>
+          </a:extLst>
+        </p:spPr>
+      </p:pic>
+      <p:pic>
+        <p:nvPicPr>
+          <p:cNvPr id="1028" name="Picture 4">
+            <a:extLst>
+              <a:ext uri="{FF2B5EF4-FFF2-40B4-BE49-F238E27FC236}">
+                <a16:creationId xmlns:a16="http://schemas.microsoft.com/office/drawing/2014/main" id="{1D019A9B-3BEE-C04E-B28B-6D2831A7B874}"/>
+              </a:ext>
+            </a:extLst>
+          </p:cNvPr>
+          <p:cNvPicPr>
+            <a:picLocks noChangeAspect="1" noChangeArrowheads="1"/>
+          </p:cNvPicPr>
+          <p:nvPr/>
+        </p:nvPicPr>
+        <p:blipFill>
+          <a:blip r:embed="rId4">
+            <a:extLst>
+              <a:ext uri="{28A0092B-C50C-407E-A947-70E740481C1C}">
+                <a14:useLocalDpi xmlns:a14="http://schemas.microsoft.com/office/drawing/2010/main" val="0"/>
+              </a:ext>
+            </a:extLst>
+          </a:blip>
+          <a:srcRect/>
+          <a:stretch>
+            <a:fillRect/>
+          </a:stretch>
+        </p:blipFill>
+        <p:spPr bwMode="auto">
+          <a:xfrm>
+            <a:off x="3194078" y="3787115"/>
+            <a:ext cx="1785589" cy="1785589"/>
+          </a:xfrm>
+          <a:prstGeom prst="rect">
+            <a:avLst/>
+          </a:prstGeom>
+          <a:noFill/>
+          <a:extLst>
+            <a:ext uri="{909E8E84-426E-40DD-AFC4-6F175D3DCCD1}">
+              <a14:hiddenFill xmlns:a14="http://schemas.microsoft.com/office/drawing/2010/main">
+                <a:solidFill>
+                  <a:srgbClr val="FFFFFF"/>
+                </a:solidFill>
+              </a14:hiddenFill>
+            </a:ext>
+          </a:extLst>
+        </p:spPr>
+      </p:pic>
+      <p:pic>
+        <p:nvPicPr>
+          <p:cNvPr id="1030" name="Picture 6">
+            <a:extLst>
+              <a:ext uri="{FF2B5EF4-FFF2-40B4-BE49-F238E27FC236}">
+                <a16:creationId xmlns:a16="http://schemas.microsoft.com/office/drawing/2014/main" id="{354B324D-3A52-3044-979B-056AC361594F}"/>
+              </a:ext>
+            </a:extLst>
+          </p:cNvPr>
+          <p:cNvPicPr>
+            <a:picLocks noChangeAspect="1" noChangeArrowheads="1"/>
+          </p:cNvPicPr>
+          <p:nvPr/>
+        </p:nvPicPr>
+        <p:blipFill>
+          <a:blip r:embed="rId5">
+            <a:extLst>
+              <a:ext uri="{28A0092B-C50C-407E-A947-70E740481C1C}">
+                <a14:useLocalDpi xmlns:a14="http://schemas.microsoft.com/office/drawing/2010/main" val="0"/>
+              </a:ext>
+            </a:extLst>
+          </a:blip>
+          <a:srcRect/>
+          <a:stretch>
+            <a:fillRect/>
+          </a:stretch>
+        </p:blipFill>
+        <p:spPr bwMode="auto">
+          <a:xfrm>
+            <a:off x="66131" y="4629947"/>
+            <a:ext cx="1989555" cy="2008503"/>
+          </a:xfrm>
+          <a:prstGeom prst="rect">
+            <a:avLst/>
+          </a:prstGeom>
+          <a:noFill/>
+          <a:extLst>
+            <a:ext uri="{909E8E84-426E-40DD-AFC4-6F175D3DCCD1}">
+              <a14:hiddenFill xmlns:a14="http://schemas.microsoft.com/office/drawing/2010/main">
+                <a:solidFill>
+                  <a:srgbClr val="FFFFFF"/>
+                </a:solidFill>
+              </a14:hiddenFill>
+            </a:ext>
+          </a:extLst>
+        </p:spPr>
+      </p:pic>
+      <p:pic>
+        <p:nvPicPr>
+          <p:cNvPr id="1032" name="Picture 8">
+            <a:extLst>
+              <a:ext uri="{FF2B5EF4-FFF2-40B4-BE49-F238E27FC236}">
+                <a16:creationId xmlns:a16="http://schemas.microsoft.com/office/drawing/2014/main" id="{850C1B81-C956-E349-AC4A-6659F21ABEFE}"/>
+              </a:ext>
+            </a:extLst>
+          </p:cNvPr>
+          <p:cNvPicPr>
+            <a:picLocks noChangeAspect="1" noChangeArrowheads="1"/>
+          </p:cNvPicPr>
+          <p:nvPr/>
+        </p:nvPicPr>
+        <p:blipFill>
+          <a:blip r:embed="rId6">
+            <a:extLst>
+              <a:ext uri="{28A0092B-C50C-407E-A947-70E740481C1C}">
+                <a14:useLocalDpi xmlns:a14="http://schemas.microsoft.com/office/drawing/2010/main" val="0"/>
+              </a:ext>
+            </a:extLst>
+          </a:blip>
+          <a:srcRect/>
+          <a:stretch>
+            <a:fillRect/>
+          </a:stretch>
+        </p:blipFill>
+        <p:spPr bwMode="auto">
+          <a:xfrm>
+            <a:off x="2302786" y="4959024"/>
+            <a:ext cx="1785589" cy="1785589"/>
+          </a:xfrm>
+          <a:prstGeom prst="rect">
+            <a:avLst/>
+          </a:prstGeom>
+          <a:noFill/>
+          <a:extLst>
+            <a:ext uri="{909E8E84-426E-40DD-AFC4-6F175D3DCCD1}">
+              <a14:hiddenFill xmlns:a14="http://schemas.microsoft.com/office/drawing/2010/main">
+                <a:solidFill>
+                  <a:srgbClr val="FFFFFF"/>
+                </a:solidFill>
+              </a14:hiddenFill>
+            </a:ext>
+          </a:extLst>
+        </p:spPr>
+      </p:pic>
+      <p:pic>
+        <p:nvPicPr>
+          <p:cNvPr id="1036" name="Picture 12">
+            <a:extLst>
+              <a:ext uri="{FF2B5EF4-FFF2-40B4-BE49-F238E27FC236}">
+                <a16:creationId xmlns:a16="http://schemas.microsoft.com/office/drawing/2014/main" id="{A3E3BF9A-6552-E04C-BDB3-4D6B3C5FB486}"/>
+              </a:ext>
+            </a:extLst>
+          </p:cNvPr>
+          <p:cNvPicPr>
+            <a:picLocks noChangeAspect="1" noChangeArrowheads="1"/>
+          </p:cNvPicPr>
+          <p:nvPr/>
+        </p:nvPicPr>
+        <p:blipFill>
+          <a:blip r:embed="rId7">
+            <a:extLst>
+              <a:ext uri="{28A0092B-C50C-407E-A947-70E740481C1C}">
+                <a14:useLocalDpi xmlns:a14="http://schemas.microsoft.com/office/drawing/2010/main" val="0"/>
+              </a:ext>
+            </a:extLst>
+          </a:blip>
+          <a:srcRect/>
+          <a:stretch>
+            <a:fillRect/>
+          </a:stretch>
+        </p:blipFill>
+        <p:spPr bwMode="auto">
+          <a:xfrm>
+            <a:off x="6800177" y="4202599"/>
+            <a:ext cx="2310447" cy="2310447"/>
+          </a:xfrm>
+          <a:prstGeom prst="rect">
+            <a:avLst/>
+          </a:prstGeom>
+          <a:noFill/>
+          <a:extLst>
+            <a:ext uri="{909E8E84-426E-40DD-AFC4-6F175D3DCCD1}">
+              <a14:hiddenFill xmlns:a14="http://schemas.microsoft.com/office/drawing/2010/main">
+                <a:solidFill>
+                  <a:srgbClr val="FFFFFF"/>
+                </a:solidFill>
+              </a14:hiddenFill>
+            </a:ext>
+          </a:extLst>
+        </p:spPr>
+      </p:pic>
+      <p:pic>
+        <p:nvPicPr>
+          <p:cNvPr id="1034" name="Picture 10">
+            <a:extLst>
+              <a:ext uri="{FF2B5EF4-FFF2-40B4-BE49-F238E27FC236}">
+                <a16:creationId xmlns:a16="http://schemas.microsoft.com/office/drawing/2014/main" id="{EA690371-AF4D-C546-9F92-AFFF344B0A35}"/>
+              </a:ext>
+            </a:extLst>
+          </p:cNvPr>
+          <p:cNvPicPr>
+            <a:picLocks noChangeAspect="1" noChangeArrowheads="1"/>
+          </p:cNvPicPr>
+          <p:nvPr/>
+        </p:nvPicPr>
+        <p:blipFill>
+          <a:blip r:embed="rId8">
+            <a:extLst>
+              <a:ext uri="{28A0092B-C50C-407E-A947-70E740481C1C}">
+                <a14:useLocalDpi xmlns:a14="http://schemas.microsoft.com/office/drawing/2010/main" val="0"/>
+              </a:ext>
+            </a:extLst>
+          </a:blip>
+          <a:srcRect/>
+          <a:stretch>
+            <a:fillRect/>
+          </a:stretch>
+        </p:blipFill>
+        <p:spPr bwMode="auto">
+          <a:xfrm>
+            <a:off x="5264256" y="2946456"/>
+            <a:ext cx="1788482" cy="1785589"/>
+          </a:xfrm>
+          <a:prstGeom prst="rect">
+            <a:avLst/>
+          </a:prstGeom>
+          <a:noFill/>
+          <a:extLst>
+            <a:ext uri="{909E8E84-426E-40DD-AFC4-6F175D3DCCD1}">
+              <a14:hiddenFill xmlns:a14="http://schemas.microsoft.com/office/drawing/2010/main">
+                <a:solidFill>
+                  <a:srgbClr val="FFFFFF"/>
+                </a:solidFill>
+              </a14:hiddenFill>
+            </a:ext>
+          </a:extLst>
+        </p:spPr>
+      </p:pic>
     </p:spTree>
     <p:extLst>
       <p:ext uri="{BB962C8B-B14F-4D97-AF65-F5344CB8AC3E}">
@@ -5052,18 +4376,36 @@
               <a:rPr lang="en-US" sz="1400" dirty="0">
                 <a:latin typeface="Helvetica" pitchFamily="2" charset="0"/>
               </a:rPr>
-              <a:t>p-value 8.27e-01 </a:t>
-            </a:r>
-          </a:p>
-          <a:p>
+              <a:t>p = 8.27e-01 (same for stats package and </a:t>
+            </a:r>
+            <a:r>
+              <a:rPr lang="en-US" sz="1400" dirty="0" err="1">
+                <a:latin typeface="Helvetica" pitchFamily="2" charset="0"/>
+              </a:rPr>
+              <a:t>pingouin</a:t>
+            </a:r>
             <a:r>
               <a:rPr lang="en-US" sz="1400" dirty="0">
                 <a:latin typeface="Helvetica" pitchFamily="2" charset="0"/>
               </a:rPr>
+              <a:t>)</a:t>
+            </a:r>
+          </a:p>
+          <a:p>
+            <a:r>
+              <a:rPr lang="en-US" sz="1400" dirty="0">
+                <a:latin typeface="Helvetica" pitchFamily="2" charset="0"/>
+              </a:rPr>
               <a:t>p &gt;= 0.05 </a:t>
             </a:r>
           </a:p>
           <a:p>
+            <a:r>
+              <a:rPr lang="en-US" sz="1400" b="1" dirty="0">
+                <a:latin typeface="Helvetica" pitchFamily="2" charset="0"/>
+              </a:rPr>
+              <a:t>▶︎ </a:t>
+            </a:r>
             <a:r>
               <a:rPr lang="en-US" sz="1400" b="1" i="1" dirty="0">
                 <a:latin typeface="Helvetica" pitchFamily="2" charset="0"/>
@@ -5113,7 +4455,45 @@
               </a:rPr>
               <a:t>F_oneway</a:t>
             </a:r>
-            <a:endParaRPr lang="en-US" sz="1600" b="1" dirty="0">
+            <a:r>
+              <a:rPr lang="en-US" sz="1600" b="1" dirty="0">
+                <a:latin typeface="Helvetica" pitchFamily="2" charset="0"/>
+              </a:rPr>
+              <a:t> </a:t>
+            </a:r>
+          </a:p>
+          <a:p>
+            <a:r>
+              <a:rPr lang="en-US" sz="1400" dirty="0">
+                <a:latin typeface="Helvetica" pitchFamily="2" charset="0"/>
+              </a:rPr>
+              <a:t>Statistic = 7.66, p = 6.62e-10 (stats package); p(</a:t>
+            </a:r>
+            <a:r>
+              <a:rPr lang="en-US" sz="1400" dirty="0" err="1">
+                <a:latin typeface="Helvetica" pitchFamily="2" charset="0"/>
+              </a:rPr>
+              <a:t>uncorr</a:t>
+            </a:r>
+            <a:r>
+              <a:rPr lang="en-US" sz="1400" dirty="0">
+                <a:latin typeface="Helvetica" pitchFamily="2" charset="0"/>
+              </a:rPr>
+              <a:t>.) = </a:t>
+            </a:r>
+            <a:r>
+              <a:rPr lang="en-US" sz="1400" dirty="0"/>
+              <a:t>1.11e-14 (</a:t>
+            </a:r>
+            <a:r>
+              <a:rPr lang="en-US" sz="1400" dirty="0" err="1"/>
+              <a:t>pingouin</a:t>
+            </a:r>
+            <a:r>
+              <a:rPr lang="en-US" sz="1400" dirty="0"/>
+              <a:t>)</a:t>
+            </a:r>
+            <a:endParaRPr lang="en-US" sz="1400" dirty="0">
               <a:latin typeface="Helvetica" pitchFamily="2" charset="0"/>
             </a:endParaRPr>
           </a:p>
@@ -5122,35 +4502,21 @@
               <a:rPr lang="en-US" sz="1400" dirty="0">
                 <a:latin typeface="Helvetica" pitchFamily="2" charset="0"/>
               </a:rPr>
-              <a:t>statistic=7.66, </a:t>
-            </a:r>
-            <a:r>
-              <a:rPr lang="en-US" sz="1400" dirty="0" err="1">
-                <a:latin typeface="Helvetica" pitchFamily="2" charset="0"/>
-              </a:rPr>
-              <a:t>pvalue</a:t>
-            </a:r>
-            <a:r>
-              <a:rPr lang="en-US" sz="1400" dirty="0">
-                <a:latin typeface="Helvetica" pitchFamily="2" charset="0"/>
-              </a:rPr>
-              <a:t>=6.62e-10 </a:t>
-            </a:r>
-          </a:p>
-          <a:p>
-            <a:r>
-              <a:rPr lang="en-US" sz="1400" dirty="0">
-                <a:latin typeface="Helvetica" pitchFamily="2" charset="0"/>
-              </a:rPr>
               <a:t>p &lt; 0.05</a:t>
             </a:r>
           </a:p>
           <a:p>
             <a:r>
+              <a:rPr lang="en-US" sz="1400" b="1" dirty="0">
+                <a:latin typeface="Helvetica" pitchFamily="2" charset="0"/>
+              </a:rPr>
+              <a:t>▶︎ </a:t>
+            </a:r>
+            <a:r>
               <a:rPr lang="en-US" sz="1400" b="1" i="1" dirty="0">
                 <a:latin typeface="Helvetica" pitchFamily="2" charset="0"/>
               </a:rPr>
-              <a:t>Can reject the null hypothesis that the sample means are equal</a:t>
+              <a:t>Reject the null hypothesis that the sample means are equal</a:t>
             </a:r>
           </a:p>
         </p:txBody>
@@ -5276,7 +4642,7 @@
         </p:blipFill>
         <p:spPr>
           <a:xfrm>
-            <a:off x="1180776" y="298342"/>
+            <a:off x="1180776" y="52121"/>
             <a:ext cx="6782447" cy="4521631"/>
           </a:xfrm>
           <a:prstGeom prst="rect">
@@ -5298,7 +4664,7 @@
         </p:nvSpPr>
         <p:spPr>
           <a:xfrm>
-            <a:off x="433952" y="4371604"/>
+            <a:off x="433952" y="4266723"/>
             <a:ext cx="6617776" cy="984885"/>
           </a:xfrm>
           <a:prstGeom prst="rect">
@@ -5330,23 +4696,41 @@
               <a:rPr lang="en-US" sz="1400" dirty="0">
                 <a:latin typeface="Helvetica" pitchFamily="2" charset="0"/>
               </a:rPr>
-              <a:t>p-value 5.79e-09 </a:t>
-            </a:r>
-          </a:p>
-          <a:p>
+              <a:t>p = 5.79e-09 (</a:t>
+            </a:r>
+            <a:r>
+              <a:rPr lang="en-US" sz="1400" dirty="0" err="1">
+                <a:latin typeface="Helvetica" pitchFamily="2" charset="0"/>
+              </a:rPr>
+              <a:t>pingouin</a:t>
+            </a:r>
             <a:r>
               <a:rPr lang="en-US" sz="1400" dirty="0">
                 <a:latin typeface="Helvetica" pitchFamily="2" charset="0"/>
               </a:rPr>
-              <a:t>p&lt;0.05</a:t>
-            </a:r>
-          </a:p>
-          <a:p>
+              <a:t> package) </a:t>
+            </a:r>
+          </a:p>
+          <a:p>
+            <a:r>
+              <a:rPr lang="en-US" sz="1400" dirty="0">
+                <a:latin typeface="Helvetica" pitchFamily="2" charset="0"/>
+              </a:rPr>
+              <a:t>p &lt; 0.05</a:t>
+            </a:r>
+          </a:p>
+          <a:p>
+            <a:r>
+              <a:rPr lang="en-US" sz="1400" b="1" dirty="0">
+                <a:latin typeface="Helvetica" pitchFamily="2" charset="0"/>
+              </a:rPr>
+              <a:t>▶︎</a:t>
+            </a:r>
             <a:r>
               <a:rPr lang="en-US" sz="1400" b="1" i="1" dirty="0">
                 <a:latin typeface="Helvetica" pitchFamily="2" charset="0"/>
               </a:rPr>
-              <a:t>Sample variances too dissimilar for ANOVA</a:t>
+              <a:t> Sample variances too dissimilar for ANOVA</a:t>
             </a:r>
           </a:p>
         </p:txBody>
@@ -5403,23 +4787,41 @@
               <a:rPr lang="en-US" sz="1400" dirty="0">
                 <a:latin typeface="Helvetica" pitchFamily="2" charset="0"/>
               </a:rPr>
-              <a:t>=6.84e-30</a:t>
-            </a:r>
-          </a:p>
-          <a:p>
+              <a:t>=6.84e-30 (</a:t>
+            </a:r>
+            <a:r>
+              <a:rPr lang="en-US" sz="1400" dirty="0" err="1">
+                <a:latin typeface="Helvetica" pitchFamily="2" charset="0"/>
+              </a:rPr>
+              <a:t>pingouin</a:t>
+            </a:r>
             <a:r>
               <a:rPr lang="en-US" sz="1400" dirty="0">
                 <a:latin typeface="Helvetica" pitchFamily="2" charset="0"/>
               </a:rPr>
-              <a:t>p&lt;0.05</a:t>
-            </a:r>
-          </a:p>
-          <a:p>
+              <a:t> package) </a:t>
+            </a:r>
+          </a:p>
+          <a:p>
+            <a:r>
+              <a:rPr lang="en-US" sz="1400" dirty="0">
+                <a:latin typeface="Helvetica" pitchFamily="2" charset="0"/>
+              </a:rPr>
+              <a:t>p &lt; 0.05</a:t>
+            </a:r>
+          </a:p>
+          <a:p>
+            <a:r>
+              <a:rPr lang="en-US" sz="1400" b="1" dirty="0">
+                <a:latin typeface="Helvetica" pitchFamily="2" charset="0"/>
+              </a:rPr>
+              <a:t>▶︎</a:t>
+            </a:r>
             <a:r>
               <a:rPr lang="en-US" sz="1400" b="1" i="1" dirty="0">
                 <a:latin typeface="Helvetica" pitchFamily="2" charset="0"/>
               </a:rPr>
-              <a:t>Can reject the null hypothesis that all group medians are equal</a:t>
+              <a:t> Reject the null hypothesis that all group medians are equal</a:t>
             </a:r>
           </a:p>
         </p:txBody>
@@ -5585,8 +4987,8 @@
         </p:blipFill>
         <p:spPr>
           <a:xfrm>
-            <a:off x="2093256" y="124008"/>
-            <a:ext cx="4957488" cy="3304992"/>
+            <a:off x="2146746" y="791736"/>
+            <a:ext cx="5208915" cy="3472610"/>
           </a:xfrm>
           <a:prstGeom prst="rect">
             <a:avLst/>
@@ -5615,8 +5017,8 @@
         </p:blipFill>
         <p:spPr>
           <a:xfrm>
-            <a:off x="2093256" y="3090627"/>
-            <a:ext cx="5010979" cy="3340653"/>
+            <a:off x="2093256" y="3230817"/>
+            <a:ext cx="5265119" cy="3510080"/>
           </a:xfrm>
           <a:prstGeom prst="rect">
             <a:avLst/>
@@ -5638,7 +5040,7 @@
         <p:spPr>
           <a:xfrm>
             <a:off x="174811" y="6611779"/>
-            <a:ext cx="5298141" cy="246221"/>
+            <a:ext cx="5298141" cy="215444"/>
           </a:xfrm>
           <a:prstGeom prst="rect">
             <a:avLst/>
@@ -5651,35 +5053,72 @@
           <a:lstStyle/>
           <a:p>
             <a:r>
-              <a:rPr lang="en-US" sz="1000" dirty="0">
+              <a:rPr lang="en-US" sz="800" dirty="0">
                 <a:latin typeface="Helvetica" pitchFamily="2" charset="0"/>
               </a:rPr>
               <a:t>https://</a:t>
             </a:r>
             <a:r>
-              <a:rPr lang="en-US" sz="1000" dirty="0" err="1">
+              <a:rPr lang="en-US" sz="800" dirty="0" err="1">
                 <a:latin typeface="Helvetica" pitchFamily="2" charset="0"/>
               </a:rPr>
               <a:t>www.census.gov</a:t>
             </a:r>
             <a:r>
-              <a:rPr lang="en-US" sz="1000" dirty="0">
+              <a:rPr lang="en-US" sz="800" dirty="0">
                 <a:latin typeface="Helvetica" pitchFamily="2" charset="0"/>
               </a:rPr>
               <a:t>/data/tables/time-series/demo/</a:t>
             </a:r>
             <a:r>
-              <a:rPr lang="en-US" sz="1000" dirty="0" err="1">
+              <a:rPr lang="en-US" sz="800" dirty="0" err="1">
                 <a:latin typeface="Helvetica" pitchFamily="2" charset="0"/>
               </a:rPr>
               <a:t>popest</a:t>
             </a:r>
             <a:r>
-              <a:rPr lang="en-US" sz="1000" dirty="0">
+              <a:rPr lang="en-US" sz="800" dirty="0">
                 <a:latin typeface="Helvetica" pitchFamily="2" charset="0"/>
               </a:rPr>
               <a:t>/2010s-national-detail.html</a:t>
             </a:r>
+          </a:p>
+        </p:txBody>
+      </p:sp>
+      <p:sp>
+        <p:nvSpPr>
+          <p:cNvPr id="2" name="Rectangle 1">
+            <a:extLst>
+              <a:ext uri="{FF2B5EF4-FFF2-40B4-BE49-F238E27FC236}">
+                <a16:creationId xmlns:a16="http://schemas.microsoft.com/office/drawing/2014/main" id="{D772A9AC-30E0-8D4E-B630-E80BF2D7D3CB}"/>
+              </a:ext>
+            </a:extLst>
+          </p:cNvPr>
+          <p:cNvSpPr/>
+          <p:nvPr/>
+        </p:nvSpPr>
+        <p:spPr>
+          <a:xfrm>
+            <a:off x="462803" y="305650"/>
+            <a:ext cx="7007046" cy="369332"/>
+          </a:xfrm>
+          <a:prstGeom prst="rect">
+            <a:avLst/>
+          </a:prstGeom>
+        </p:spPr>
+        <p:txBody>
+          <a:bodyPr wrap="none">
+            <a:spAutoFit/>
+          </a:bodyPr>
+          <a:lstStyle/>
+          <a:p>
+            <a:r>
+              <a:rPr lang="en-US" dirty="0">
+                <a:latin typeface="Helvetica" pitchFamily="2" charset="0"/>
+              </a:rPr>
+              <a:t>Can some age-group effects be attributed to differing cohort sizes?</a:t>
+            </a:r>
+            <a:endParaRPr lang="en-US" dirty="0"/>
           </a:p>
         </p:txBody>
       </p:sp>
@@ -5727,7 +5166,7 @@
         </p:nvGrpSpPr>
         <p:grpSpPr>
           <a:xfrm>
-            <a:off x="455990" y="629920"/>
+            <a:off x="455990" y="1209783"/>
             <a:ext cx="8232020" cy="5455920"/>
             <a:chOff x="455990" y="629920"/>
             <a:chExt cx="8232020" cy="5455920"/>
@@ -6079,6 +5518,51 @@
           </p:txBody>
         </p:sp>
       </p:grpSp>
+      <p:sp>
+        <p:nvSpPr>
+          <p:cNvPr id="12" name="Rectangle 11">
+            <a:extLst>
+              <a:ext uri="{FF2B5EF4-FFF2-40B4-BE49-F238E27FC236}">
+                <a16:creationId xmlns:a16="http://schemas.microsoft.com/office/drawing/2014/main" id="{374EBA98-4C73-0E4A-9936-D56DEDA5C68A}"/>
+              </a:ext>
+            </a:extLst>
+          </p:cNvPr>
+          <p:cNvSpPr/>
+          <p:nvPr/>
+        </p:nvSpPr>
+        <p:spPr>
+          <a:xfrm>
+            <a:off x="462803" y="305650"/>
+            <a:ext cx="6891630" cy="646331"/>
+          </a:xfrm>
+          <a:prstGeom prst="rect">
+            <a:avLst/>
+          </a:prstGeom>
+        </p:spPr>
+        <p:txBody>
+          <a:bodyPr wrap="none">
+            <a:spAutoFit/>
+          </a:bodyPr>
+          <a:lstStyle/>
+          <a:p>
+            <a:r>
+              <a:rPr lang="en-US" dirty="0">
+                <a:latin typeface="Helvetica" pitchFamily="2" charset="0"/>
+              </a:rPr>
+              <a:t>Linear regression of motor vehicle deaths vs. population suggests</a:t>
+            </a:r>
+          </a:p>
+          <a:p>
+            <a:r>
+              <a:rPr lang="en-US" dirty="0">
+                <a:latin typeface="Helvetica" pitchFamily="2" charset="0"/>
+              </a:rPr>
+              <a:t>there are other factors, particularly for children and young adults</a:t>
+            </a:r>
+            <a:endParaRPr lang="en-US" dirty="0"/>
+          </a:p>
+        </p:txBody>
+      </p:sp>
     </p:spTree>
     <p:extLst>
       <p:ext uri="{BB962C8B-B14F-4D97-AF65-F5344CB8AC3E}">
@@ -6123,8 +5607,8 @@
         </p:nvSpPr>
         <p:spPr>
           <a:xfrm>
-            <a:off x="402956" y="309966"/>
-            <a:ext cx="8601559" cy="646331"/>
+            <a:off x="402955" y="170665"/>
+            <a:ext cx="7763891" cy="923330"/>
           </a:xfrm>
           <a:prstGeom prst="rect">
             <a:avLst/>
@@ -6141,7 +5625,7 @@
               <a:rPr lang="en-US" dirty="0">
                 <a:latin typeface="Helvetica" pitchFamily="2" charset="0"/>
               </a:rPr>
-              <a:t>Can ANOVA test for differences among weekdays </a:t>
+              <a:t>Age-group variances are too dissimilar for ANOVA</a:t>
             </a:r>
           </a:p>
           <a:p>
@@ -6149,7 +5633,15 @@
               <a:rPr lang="en-US" dirty="0">
                 <a:latin typeface="Helvetica" pitchFamily="2" charset="0"/>
               </a:rPr>
-              <a:t>be run on age groups individually?</a:t>
+              <a:t>Can age groups be tested one by one?</a:t>
+            </a:r>
+          </a:p>
+          <a:p>
+            <a:r>
+              <a:rPr lang="en-US" dirty="0">
+                <a:latin typeface="Helvetica" pitchFamily="2" charset="0"/>
+              </a:rPr>
+              <a:t>Visual impression is that any weekend effect may dissipate with age</a:t>
             </a:r>
           </a:p>
         </p:txBody>
@@ -6176,8 +5668,8 @@
         </p:blipFill>
         <p:spPr>
           <a:xfrm>
-            <a:off x="402956" y="959525"/>
-            <a:ext cx="8260597" cy="5898475"/>
+            <a:off x="501569" y="1066717"/>
+            <a:ext cx="7871468" cy="5620618"/>
           </a:xfrm>
           <a:prstGeom prst="rect">
             <a:avLst/>
@@ -6228,8 +5720,8 @@
         </p:nvSpPr>
         <p:spPr>
           <a:xfrm>
-            <a:off x="348712" y="221734"/>
-            <a:ext cx="8446576" cy="646331"/>
+            <a:off x="348713" y="221734"/>
+            <a:ext cx="3119546" cy="830997"/>
           </a:xfrm>
           <a:prstGeom prst="rect">
             <a:avLst/>
@@ -6243,10 +5735,10 @@
           <a:lstStyle/>
           <a:p>
             <a:r>
-              <a:rPr lang="en-US" dirty="0">
-                <a:latin typeface="Helvetica" pitchFamily="2" charset="0"/>
-              </a:rPr>
-              <a:t>Variances within age groups are suitable for ANOVA test of day-to-day differences, and ANOVA shows they are significant</a:t>
+              <a:rPr lang="en-US" sz="1600" dirty="0">
+                <a:latin typeface="Helvetica" pitchFamily="2" charset="0"/>
+              </a:rPr>
+              <a:t>Variances within age groups are suitable for ANOVA test of day-to-day differences</a:t>
             </a:r>
           </a:p>
         </p:txBody>
@@ -6265,8 +5757,8 @@
         </p:nvSpPr>
         <p:spPr>
           <a:xfrm>
-            <a:off x="4572000" y="6548034"/>
-            <a:ext cx="4448013" cy="246221"/>
+            <a:off x="7006282" y="6558100"/>
+            <a:ext cx="1828800" cy="246221"/>
           </a:xfrm>
           <a:prstGeom prst="rect">
             <a:avLst/>
@@ -6288,44 +5780,23 @@
               <a:rPr lang="en-US" sz="1000" dirty="0" err="1">
                 <a:latin typeface="Helvetica" pitchFamily="2" charset="0"/>
               </a:rPr>
-              <a:t>docs.scipy.org</a:t>
+              <a:t>pingouin-stats.org</a:t>
             </a:r>
             <a:r>
               <a:rPr lang="en-US" sz="1000" dirty="0">
                 <a:latin typeface="Helvetica" pitchFamily="2" charset="0"/>
               </a:rPr>
-              <a:t>/doc/</a:t>
-            </a:r>
-            <a:r>
-              <a:rPr lang="en-US" sz="1000" dirty="0" err="1">
-                <a:latin typeface="Helvetica" pitchFamily="2" charset="0"/>
-              </a:rPr>
-              <a:t>scipy</a:t>
-            </a:r>
-            <a:r>
-              <a:rPr lang="en-US" sz="1000" dirty="0">
-                <a:latin typeface="Helvetica" pitchFamily="2" charset="0"/>
-              </a:rPr>
-              <a:t>/reference/generated/</a:t>
-            </a:r>
-            <a:r>
-              <a:rPr lang="en-US" sz="1000" dirty="0" err="1">
-                <a:latin typeface="Helvetica" pitchFamily="2" charset="0"/>
-              </a:rPr>
-              <a:t>scipy.stats.levene.html</a:t>
-            </a:r>
-            <a:endParaRPr lang="en-US" sz="1000" dirty="0">
-              <a:latin typeface="Helvetica" pitchFamily="2" charset="0"/>
-            </a:endParaRPr>
+              <a:t>/</a:t>
+            </a:r>
           </a:p>
         </p:txBody>
       </p:sp>
       <p:pic>
         <p:nvPicPr>
-          <p:cNvPr id="6" name="Picture 5">
+          <p:cNvPr id="3" name="Picture 2">
             <a:extLst>
               <a:ext uri="{FF2B5EF4-FFF2-40B4-BE49-F238E27FC236}">
-                <a16:creationId xmlns:a16="http://schemas.microsoft.com/office/drawing/2014/main" id="{C9EB4028-F861-4947-A0CF-6014E96CDA85}"/>
+                <a16:creationId xmlns:a16="http://schemas.microsoft.com/office/drawing/2014/main" id="{6358BCC1-47B1-2F45-A1C7-E8ECAD1982BE}"/>
               </a:ext>
             </a:extLst>
           </p:cNvPr>
@@ -6342,25 +5813,25 @@
         </p:blipFill>
         <p:spPr>
           <a:xfrm>
-            <a:off x="152615" y="1121554"/>
-            <a:ext cx="3368082" cy="4153386"/>
+            <a:off x="204670" y="1375043"/>
+            <a:ext cx="3119546" cy="5120359"/>
           </a:xfrm>
           <a:prstGeom prst="rect">
             <a:avLst/>
           </a:prstGeom>
-          <a:ln w="28575">
+          <a:ln>
             <a:solidFill>
-              <a:schemeClr val="accent1"/>
+              <a:srgbClr val="0070C0"/>
             </a:solidFill>
           </a:ln>
         </p:spPr>
       </p:pic>
       <p:pic>
         <p:nvPicPr>
-          <p:cNvPr id="7" name="Picture 6">
+          <p:cNvPr id="8" name="Picture 7">
             <a:extLst>
               <a:ext uri="{FF2B5EF4-FFF2-40B4-BE49-F238E27FC236}">
-                <a16:creationId xmlns:a16="http://schemas.microsoft.com/office/drawing/2014/main" id="{9828E3C7-C401-2B45-BBD6-77B043FCF122}"/>
+                <a16:creationId xmlns:a16="http://schemas.microsoft.com/office/drawing/2014/main" id="{53027ECC-1770-5044-B9F5-D55B11347958}"/>
               </a:ext>
             </a:extLst>
           </p:cNvPr>
@@ -6377,19 +5848,73 @@
         </p:blipFill>
         <p:spPr>
           <a:xfrm>
-            <a:off x="3588705" y="1375043"/>
-            <a:ext cx="5431308" cy="3646407"/>
+            <a:off x="5030828" y="1518203"/>
+            <a:ext cx="2197875" cy="4923240"/>
           </a:xfrm>
           <a:prstGeom prst="rect">
             <a:avLst/>
           </a:prstGeom>
-          <a:ln w="22225">
+          <a:ln>
             <a:solidFill>
               <a:srgbClr val="FF0000"/>
             </a:solidFill>
           </a:ln>
         </p:spPr>
       </p:pic>
+      <p:sp>
+        <p:nvSpPr>
+          <p:cNvPr id="10" name="TextBox 9">
+            <a:extLst>
+              <a:ext uri="{FF2B5EF4-FFF2-40B4-BE49-F238E27FC236}">
+                <a16:creationId xmlns:a16="http://schemas.microsoft.com/office/drawing/2014/main" id="{C7EF1B33-C3AA-8E47-9DAB-CE079F0341CC}"/>
+              </a:ext>
+            </a:extLst>
+          </p:cNvPr>
+          <p:cNvSpPr txBox="1"/>
+          <p:nvPr/>
+        </p:nvSpPr>
+        <p:spPr>
+          <a:xfrm>
+            <a:off x="4195482" y="136435"/>
+            <a:ext cx="4473873" cy="1323439"/>
+          </a:xfrm>
+          <a:prstGeom prst="rect">
+            <a:avLst/>
+          </a:prstGeom>
+          <a:noFill/>
+        </p:spPr>
+        <p:txBody>
+          <a:bodyPr wrap="square" rtlCol="0">
+            <a:spAutoFit/>
+          </a:bodyPr>
+          <a:lstStyle/>
+          <a:p>
+            <a:r>
+              <a:rPr lang="en-US" sz="1600" dirty="0">
+                <a:latin typeface="Helvetica" pitchFamily="2" charset="0"/>
+              </a:rPr>
+              <a:t>One-way ANOVA showed significant differences among days for all but the 65-69  group.</a:t>
+            </a:r>
+          </a:p>
+          <a:p>
+            <a:r>
+              <a:rPr lang="en-US" sz="1400" b="1" dirty="0">
+                <a:solidFill>
+                  <a:prstClr val="black"/>
+                </a:solidFill>
+                <a:latin typeface="Helvetica" pitchFamily="2" charset="0"/>
+              </a:rPr>
+              <a:t>▶︎ </a:t>
+            </a:r>
+            <a:r>
+              <a:rPr lang="en-US" sz="1600" dirty="0">
+                <a:latin typeface="Helvetica" pitchFamily="2" charset="0"/>
+              </a:rPr>
+              <a:t>At this level of analysis, younger people are not different.</a:t>
+            </a:r>
+          </a:p>
+        </p:txBody>
+      </p:sp>
     </p:spTree>
     <p:extLst>
       <p:ext uri="{BB962C8B-B14F-4D97-AF65-F5344CB8AC3E}">
@@ -6420,12 +5945,42 @@
           <a:chExt cx="0" cy="0"/>
         </a:xfrm>
       </p:grpSpPr>
-      <p:sp>
-        <p:nvSpPr>
-          <p:cNvPr id="2" name="TextBox 1">
+      <p:pic>
+        <p:nvPicPr>
+          <p:cNvPr id="4" name="Picture 3">
             <a:extLst>
               <a:ext uri="{FF2B5EF4-FFF2-40B4-BE49-F238E27FC236}">
-                <a16:creationId xmlns:a16="http://schemas.microsoft.com/office/drawing/2014/main" id="{183305C4-39C2-F444-BD5E-E146F561697C}"/>
+                <a16:creationId xmlns:a16="http://schemas.microsoft.com/office/drawing/2014/main" id="{8E494760-88AA-5E42-BD08-F334F5113B07}"/>
+              </a:ext>
+            </a:extLst>
+          </p:cNvPr>
+          <p:cNvPicPr>
+            <a:picLocks noChangeAspect="1"/>
+          </p:cNvPicPr>
+          <p:nvPr/>
+        </p:nvPicPr>
+        <p:blipFill>
+          <a:blip r:embed="rId2"/>
+          <a:stretch>
+            <a:fillRect/>
+          </a:stretch>
+        </p:blipFill>
+        <p:spPr>
+          <a:xfrm>
+            <a:off x="828779" y="3014585"/>
+            <a:ext cx="7216588" cy="1581599"/>
+          </a:xfrm>
+          <a:prstGeom prst="rect">
+            <a:avLst/>
+          </a:prstGeom>
+        </p:spPr>
+      </p:pic>
+      <p:sp>
+        <p:nvSpPr>
+          <p:cNvPr id="5" name="TextBox 4">
+            <a:extLst>
+              <a:ext uri="{FF2B5EF4-FFF2-40B4-BE49-F238E27FC236}">
+                <a16:creationId xmlns:a16="http://schemas.microsoft.com/office/drawing/2014/main" id="{03185514-1487-0F4C-99D3-34675AD19411}"/>
               </a:ext>
             </a:extLst>
           </p:cNvPr>
@@ -6434,8 +5989,8 @@
         </p:nvSpPr>
         <p:spPr>
           <a:xfrm>
-            <a:off x="348712" y="221734"/>
-            <a:ext cx="8446576" cy="646331"/>
+            <a:off x="828779" y="338276"/>
+            <a:ext cx="7486441" cy="2800767"/>
           </a:xfrm>
           <a:prstGeom prst="rect">
             <a:avLst/>
@@ -6449,53 +6004,148 @@
           <a:lstStyle/>
           <a:p>
             <a:r>
-              <a:rPr lang="en-US" dirty="0">
-                <a:latin typeface="Helvetica" pitchFamily="2" charset="0"/>
-              </a:rPr>
-              <a:t>Statistically, easiest way to take a closer look is to make groups of equal size</a:t>
-            </a:r>
-          </a:p>
-          <a:p>
-            <a:r>
-              <a:rPr lang="en-US" dirty="0">
-                <a:latin typeface="Helvetica" pitchFamily="2" charset="0"/>
-              </a:rPr>
-              <a:t>Chose age groups of 15 years each (except final one, which is open-ended)</a:t>
-            </a:r>
-          </a:p>
-        </p:txBody>
-      </p:sp>
-      <p:sp>
-        <p:nvSpPr>
-          <p:cNvPr id="3" name="TextBox 2">
+              <a:rPr lang="en-US" sz="1600" dirty="0">
+                <a:latin typeface="Helvetica" pitchFamily="2" charset="0"/>
+              </a:rPr>
+              <a:t>Post-hoc tests showed significant differences in motor vehicle fatality counts among all pairs of weekdays and age groups, except those shown here.</a:t>
+            </a:r>
+          </a:p>
+          <a:p>
+            <a:endParaRPr lang="en-US" sz="1600" dirty="0">
+              <a:latin typeface="Helvetica" pitchFamily="2" charset="0"/>
+            </a:endParaRPr>
+          </a:p>
+          <a:p>
+            <a:r>
+              <a:rPr lang="en-US" sz="1200" b="1" dirty="0">
+                <a:solidFill>
+                  <a:prstClr val="black"/>
+                </a:solidFill>
+                <a:latin typeface="Helvetica" pitchFamily="2" charset="0"/>
+              </a:rPr>
+              <a:t>▶︎ </a:t>
+            </a:r>
+            <a:r>
+              <a:rPr lang="en-US" sz="1600" dirty="0">
+                <a:latin typeface="Helvetica" pitchFamily="2" charset="0"/>
+              </a:rPr>
+              <a:t>Some tendency for age groups to cluster</a:t>
+            </a:r>
+            <a:endParaRPr lang="en-US" sz="1600" b="1" dirty="0">
+              <a:solidFill>
+                <a:prstClr val="black"/>
+              </a:solidFill>
+              <a:latin typeface="Helvetica" pitchFamily="2" charset="0"/>
+            </a:endParaRPr>
+          </a:p>
+          <a:p>
+            <a:r>
+              <a:rPr lang="en-US" sz="1400" b="1" dirty="0">
+                <a:solidFill>
+                  <a:prstClr val="black"/>
+                </a:solidFill>
+                <a:latin typeface="Helvetica" pitchFamily="2" charset="0"/>
+              </a:rPr>
+              <a:t>▶︎ </a:t>
+            </a:r>
+            <a:r>
+              <a:rPr lang="en-US" sz="1600" dirty="0">
+                <a:latin typeface="Helvetica" pitchFamily="2" charset="0"/>
+              </a:rPr>
+              <a:t>No evidence yet to cleanly separate weekends from weekdays</a:t>
+            </a:r>
+          </a:p>
+          <a:p>
+            <a:endParaRPr lang="en-US" sz="1600" dirty="0">
+              <a:latin typeface="Helvetica" pitchFamily="2" charset="0"/>
+            </a:endParaRPr>
+          </a:p>
+          <a:p>
+            <a:r>
+              <a:rPr lang="en-US" sz="1600" dirty="0">
+                <a:latin typeface="Helvetica" pitchFamily="2" charset="0"/>
+              </a:rPr>
+              <a:t>Likely next test would be to group (some) weekdays vs. weekends</a:t>
+            </a:r>
+          </a:p>
+          <a:p>
+            <a:endParaRPr lang="en-US" sz="1600" dirty="0">
+              <a:latin typeface="Helvetica" pitchFamily="2" charset="0"/>
+            </a:endParaRPr>
+          </a:p>
+          <a:p>
+            <a:r>
+              <a:rPr lang="en-US" sz="1600" dirty="0">
+                <a:latin typeface="Helvetica" pitchFamily="2" charset="0"/>
+              </a:rPr>
+              <a:t>	Analyses to date are easiest with equal sample sizes, so would choose </a:t>
+            </a:r>
+            <a:r>
+              <a:rPr lang="en-US" sz="1600" i="1" dirty="0">
+                <a:latin typeface="Helvetica" pitchFamily="2" charset="0"/>
+              </a:rPr>
+              <a:t>e.g.</a:t>
+            </a:r>
+          </a:p>
+          <a:p>
+            <a:r>
+              <a:rPr lang="en-US" sz="1600" dirty="0">
+                <a:latin typeface="Helvetica" pitchFamily="2" charset="0"/>
+              </a:rPr>
+              <a:t>	Sat/Sun vs. Tue/Wed</a:t>
+            </a:r>
+          </a:p>
+          <a:p>
+            <a:endParaRPr lang="en-US" sz="1600" dirty="0">
+              <a:latin typeface="Helvetica" pitchFamily="2" charset="0"/>
+            </a:endParaRPr>
+          </a:p>
+        </p:txBody>
+      </p:sp>
+      <p:sp>
+        <p:nvSpPr>
+          <p:cNvPr id="6" name="Rectangle 5">
             <a:extLst>
               <a:ext uri="{FF2B5EF4-FFF2-40B4-BE49-F238E27FC236}">
-                <a16:creationId xmlns:a16="http://schemas.microsoft.com/office/drawing/2014/main" id="{A06E56EF-8273-CF47-B4AD-B4876662E365}"/>
+                <a16:creationId xmlns:a16="http://schemas.microsoft.com/office/drawing/2014/main" id="{3B58E1A3-9113-2E4C-8543-10B669308C48}"/>
               </a:ext>
             </a:extLst>
           </p:cNvPr>
-          <p:cNvSpPr txBox="1"/>
+          <p:cNvSpPr/>
           <p:nvPr/>
         </p:nvSpPr>
         <p:spPr>
           <a:xfrm>
-            <a:off x="1580827" y="2495227"/>
-            <a:ext cx="3905573" cy="369332"/>
+            <a:off x="7006282" y="6558100"/>
+            <a:ext cx="1828800" cy="246221"/>
           </a:xfrm>
           <a:prstGeom prst="rect">
             <a:avLst/>
           </a:prstGeom>
-          <a:noFill/>
         </p:spPr>
         <p:txBody>
-          <a:bodyPr wrap="square" rtlCol="0">
+          <a:bodyPr wrap="square">
             <a:spAutoFit/>
           </a:bodyPr>
           <a:lstStyle/>
           <a:p>
             <a:r>
-              <a:rPr lang="en-US" dirty="0"/>
-              <a:t>Work in progress (or never to be done)</a:t>
+              <a:rPr lang="en-US" sz="1000" dirty="0">
+                <a:latin typeface="Helvetica" pitchFamily="2" charset="0"/>
+              </a:rPr>
+              <a:t>https://</a:t>
+            </a:r>
+            <a:r>
+              <a:rPr lang="en-US" sz="1000" dirty="0" err="1">
+                <a:latin typeface="Helvetica" pitchFamily="2" charset="0"/>
+              </a:rPr>
+              <a:t>pingouin-stats.org</a:t>
+            </a:r>
+            <a:r>
+              <a:rPr lang="en-US" sz="1000" dirty="0">
+                <a:latin typeface="Helvetica" pitchFamily="2" charset="0"/>
+              </a:rPr>
+              <a:t>/</a:t>
             </a:r>
           </a:p>
         </p:txBody>
